--- a/ppt/第7章-用例建模.pptx
+++ b/ppt/第7章-用例建模.pptx
@@ -5,10 +5,10 @@
     <p:sldMasterId id="2147483923" r:id="rId1"/>
   </p:sldMasterIdLst>
   <p:notesMasterIdLst>
-    <p:notesMasterId r:id="rId25"/>
+    <p:notesMasterId r:id="rId26"/>
   </p:notesMasterIdLst>
   <p:handoutMasterIdLst>
-    <p:handoutMasterId r:id="rId26"/>
+    <p:handoutMasterId r:id="rId27"/>
   </p:handoutMasterIdLst>
   <p:sldIdLst>
     <p:sldId id="256" r:id="rId2"/>
@@ -19,21 +19,22 @@
     <p:sldId id="362" r:id="rId7"/>
     <p:sldId id="361" r:id="rId8"/>
     <p:sldId id="363" r:id="rId9"/>
-    <p:sldId id="364" r:id="rId10"/>
-    <p:sldId id="365" r:id="rId11"/>
-    <p:sldId id="366" r:id="rId12"/>
-    <p:sldId id="367" r:id="rId13"/>
-    <p:sldId id="368" r:id="rId14"/>
-    <p:sldId id="369" r:id="rId15"/>
-    <p:sldId id="370" r:id="rId16"/>
-    <p:sldId id="372" r:id="rId17"/>
-    <p:sldId id="373" r:id="rId18"/>
-    <p:sldId id="374" r:id="rId19"/>
-    <p:sldId id="375" r:id="rId20"/>
-    <p:sldId id="376" r:id="rId21"/>
-    <p:sldId id="377" r:id="rId22"/>
-    <p:sldId id="378" r:id="rId23"/>
-    <p:sldId id="379" r:id="rId24"/>
+    <p:sldId id="380" r:id="rId10"/>
+    <p:sldId id="364" r:id="rId11"/>
+    <p:sldId id="365" r:id="rId12"/>
+    <p:sldId id="366" r:id="rId13"/>
+    <p:sldId id="367" r:id="rId14"/>
+    <p:sldId id="368" r:id="rId15"/>
+    <p:sldId id="369" r:id="rId16"/>
+    <p:sldId id="370" r:id="rId17"/>
+    <p:sldId id="372" r:id="rId18"/>
+    <p:sldId id="373" r:id="rId19"/>
+    <p:sldId id="374" r:id="rId20"/>
+    <p:sldId id="375" r:id="rId21"/>
+    <p:sldId id="376" r:id="rId22"/>
+    <p:sldId id="377" r:id="rId23"/>
+    <p:sldId id="378" r:id="rId24"/>
+    <p:sldId id="379" r:id="rId25"/>
   </p:sldIdLst>
   <p:sldSz cx="9144000" cy="6858000" type="screen4x3"/>
   <p:notesSz cx="6858000" cy="9144000"/>
@@ -248,7 +249,7 @@
           <a:p>
             <a:fld id="{1422F3CC-357D-493A-AC3A-D56FADEA6296}" type="datetimeFigureOut">
               <a:rPr lang="zh-CN" altLang="en-US" smtClean="0"/>
-              <a:t>2018-04-02</a:t>
+              <a:t>2018-04-03</a:t>
             </a:fld>
             <a:endParaRPr lang="zh-CN" altLang="en-US"/>
           </a:p>
@@ -7344,6 +7345,13 @@
   <p:clrMapOvr>
     <a:masterClrMapping/>
   </p:clrMapOvr>
+  <p:timing>
+    <p:tnLst>
+      <p:par>
+        <p:cTn id="1" dur="indefinite" restart="never" nodeType="tmRoot"/>
+      </p:par>
+    </p:tnLst>
+  </p:timing>
 </p:sld>
 </file>
 
@@ -7382,10 +7390,13 @@
           <a:lstStyle/>
           <a:p>
             <a:r>
+              <a:rPr lang="en-US" altLang="zh-CN" dirty="0" smtClean="0"/>
+              <a:t>7.1.3 </a:t>
+            </a:r>
+            <a:r>
               <a:rPr lang="zh-CN" altLang="en-US" dirty="0" smtClean="0"/>
-              <a:t>用例识别注意事项</a:t>
-            </a:r>
-            <a:endParaRPr lang="zh-CN" altLang="en-US" dirty="0" smtClean="0"/>
+              <a:t>识别用例</a:t>
+            </a:r>
           </a:p>
         </p:txBody>
       </p:sp>
@@ -7407,7 +7418,7 @@
         </p:spPr>
         <p:txBody>
           <a:bodyPr>
-            <a:normAutofit fontScale="92500" lnSpcReduction="10000"/>
+            <a:normAutofit/>
           </a:bodyPr>
           <a:lstStyle/>
           <a:p>
@@ -7421,89 +7432,1177 @@
             </a:pPr>
             <a:r>
               <a:rPr lang="zh-CN" altLang="en-US" b="1" dirty="0" smtClean="0"/>
-              <a:t>不能混淆用例和用例包含的步骤，不能把其中的步骤作为用例！</a:t>
+              <a:t>用例通常是参与者的一些动作，表达参与者要完成的工作。</a:t>
             </a:r>
             <a:endParaRPr lang="en-US" altLang="zh-CN" b="1" dirty="0" smtClean="0"/>
           </a:p>
-          <a:p>
-            <a:pPr lvl="1">
-              <a:lnSpc>
-                <a:spcPct val="120000"/>
-              </a:lnSpc>
-              <a:spcBef>
-                <a:spcPts val="0"/>
-              </a:spcBef>
-            </a:pPr>
-            <a:r>
-              <a:rPr lang="zh-CN" altLang="en-US" b="1" dirty="0" smtClean="0">
-                <a:latin typeface="楷体" panose="02010609060101010101" pitchFamily="49" charset="-122"/>
-                <a:ea typeface="楷体" panose="02010609060101010101" pitchFamily="49" charset="-122"/>
-              </a:rPr>
-              <a:t>比如，“借书”用例通常包括：用户注册，登录，检查可出借的数量，保存借书记录等。不能把这些动作看成是用例。</a:t>
-            </a:r>
-            <a:endParaRPr lang="en-US" altLang="zh-CN" b="1" dirty="0" smtClean="0">
-              <a:latin typeface="楷体" panose="02010609060101010101" pitchFamily="49" charset="-122"/>
-              <a:ea typeface="楷体" panose="02010609060101010101" pitchFamily="49" charset="-122"/>
-            </a:endParaRPr>
-          </a:p>
-          <a:p>
-            <a:pPr>
-              <a:lnSpc>
-                <a:spcPct val="120000"/>
-              </a:lnSpc>
-              <a:spcBef>
-                <a:spcPts val="0"/>
-              </a:spcBef>
-            </a:pPr>
-            <a:r>
-              <a:rPr lang="zh-CN" altLang="en-US" b="1" dirty="0" smtClean="0"/>
-              <a:t>注意区分业务</a:t>
-            </a:r>
-            <a:r>
-              <a:rPr lang="zh-CN" altLang="en-US" b="1" dirty="0"/>
-              <a:t>操作</a:t>
-            </a:r>
-            <a:r>
-              <a:rPr lang="zh-CN" altLang="en-US" b="1" dirty="0" smtClean="0"/>
-              <a:t>和系统用例。不能把</a:t>
-            </a:r>
-            <a:r>
-              <a:rPr lang="zh-CN" altLang="en-US" b="1" dirty="0"/>
-              <a:t>业务用例</a:t>
-            </a:r>
-            <a:r>
-              <a:rPr lang="zh-CN" altLang="en-US" b="1" dirty="0" smtClean="0"/>
-              <a:t>看成是用例。</a:t>
-            </a:r>
-            <a:endParaRPr lang="en-US" altLang="zh-CN" b="1" dirty="0" smtClean="0"/>
-          </a:p>
-          <a:p>
-            <a:pPr lvl="1">
-              <a:lnSpc>
-                <a:spcPct val="120000"/>
-              </a:lnSpc>
-              <a:spcBef>
-                <a:spcPts val="0"/>
-              </a:spcBef>
-            </a:pPr>
-            <a:r>
-              <a:rPr lang="zh-CN" altLang="en-US" b="1" dirty="0">
-                <a:latin typeface="楷体" panose="02010609060101010101" pitchFamily="49" charset="-122"/>
-                <a:ea typeface="楷体" panose="02010609060101010101" pitchFamily="49" charset="-122"/>
-              </a:rPr>
-              <a:t>比如，不能把整理书架，打扫卫生之类的线下动作看成用例。</a:t>
-            </a:r>
-            <a:endParaRPr lang="en-US" altLang="zh-CN" b="1" dirty="0">
-              <a:latin typeface="楷体" panose="02010609060101010101" pitchFamily="49" charset="-122"/>
-              <a:ea typeface="楷体" panose="02010609060101010101" pitchFamily="49" charset="-122"/>
-            </a:endParaRPr>
-          </a:p>
-        </p:txBody>
-      </p:sp>
+        </p:txBody>
+      </p:sp>
+      <p:grpSp>
+        <p:nvGrpSpPr>
+          <p:cNvPr id="15" name="组合 14"/>
+          <p:cNvGrpSpPr/>
+          <p:nvPr/>
+        </p:nvGrpSpPr>
+        <p:grpSpPr>
+          <a:xfrm>
+            <a:off x="7385893" y="3979032"/>
+            <a:ext cx="792088" cy="993741"/>
+            <a:chOff x="2627784" y="3573016"/>
+            <a:chExt cx="792088" cy="993741"/>
+          </a:xfrm>
+        </p:grpSpPr>
+        <p:sp>
+          <p:nvSpPr>
+            <p:cNvPr id="2" name="椭圆 1"/>
+            <p:cNvSpPr/>
+            <p:nvPr/>
+          </p:nvSpPr>
+          <p:spPr>
+            <a:xfrm>
+              <a:off x="2890234" y="3573016"/>
+              <a:ext cx="236869" cy="236868"/>
+            </a:xfrm>
+            <a:prstGeom prst="ellipse">
+              <a:avLst/>
+            </a:prstGeom>
+            <a:noFill/>
+            <a:ln w="9525"/>
+          </p:spPr>
+          <p:style>
+            <a:lnRef idx="2">
+              <a:schemeClr val="dk1"/>
+            </a:lnRef>
+            <a:fillRef idx="1">
+              <a:schemeClr val="lt1"/>
+            </a:fillRef>
+            <a:effectRef idx="0">
+              <a:schemeClr val="dk1"/>
+            </a:effectRef>
+            <a:fontRef idx="minor">
+              <a:schemeClr val="dk1"/>
+            </a:fontRef>
+          </p:style>
+          <p:txBody>
+            <a:bodyPr rtlCol="0" anchor="ctr"/>
+            <a:lstStyle/>
+            <a:p>
+              <a:pPr algn="ctr"/>
+              <a:endParaRPr lang="zh-CN" altLang="en-US"/>
+            </a:p>
+          </p:txBody>
+        </p:sp>
+        <p:grpSp>
+          <p:nvGrpSpPr>
+            <p:cNvPr id="12" name="组合 11"/>
+            <p:cNvGrpSpPr/>
+            <p:nvPr/>
+          </p:nvGrpSpPr>
+          <p:grpSpPr>
+            <a:xfrm>
+              <a:off x="2771800" y="3809885"/>
+              <a:ext cx="473738" cy="411204"/>
+              <a:chOff x="2771800" y="3809884"/>
+              <a:chExt cx="473738" cy="513215"/>
+            </a:xfrm>
+          </p:grpSpPr>
+          <p:cxnSp>
+            <p:nvCxnSpPr>
+              <p:cNvPr id="4" name="直接连接符 3"/>
+              <p:cNvCxnSpPr/>
+              <p:nvPr/>
+            </p:nvCxnSpPr>
+            <p:spPr>
+              <a:xfrm>
+                <a:off x="2771800" y="3888840"/>
+                <a:ext cx="434259" cy="0"/>
+              </a:xfrm>
+              <a:prstGeom prst="line">
+                <a:avLst/>
+              </a:prstGeom>
+              <a:ln w="9525"/>
+            </p:spPr>
+            <p:style>
+              <a:lnRef idx="1">
+                <a:schemeClr val="accent1"/>
+              </a:lnRef>
+              <a:fillRef idx="0">
+                <a:schemeClr val="accent1"/>
+              </a:fillRef>
+              <a:effectRef idx="0">
+                <a:schemeClr val="accent1"/>
+              </a:effectRef>
+              <a:fontRef idx="minor">
+                <a:schemeClr val="tx1"/>
+              </a:fontRef>
+            </p:style>
+          </p:cxnSp>
+          <p:cxnSp>
+            <p:nvCxnSpPr>
+              <p:cNvPr id="6" name="直接连接符 5"/>
+              <p:cNvCxnSpPr>
+                <a:stCxn id="2" idx="4"/>
+              </p:cNvCxnSpPr>
+              <p:nvPr/>
+            </p:nvCxnSpPr>
+            <p:spPr>
+              <a:xfrm>
+                <a:off x="3008669" y="3809884"/>
+                <a:ext cx="0" cy="276346"/>
+              </a:xfrm>
+              <a:prstGeom prst="line">
+                <a:avLst/>
+              </a:prstGeom>
+              <a:ln w="9525"/>
+            </p:spPr>
+            <p:style>
+              <a:lnRef idx="1">
+                <a:schemeClr val="accent1"/>
+              </a:lnRef>
+              <a:fillRef idx="0">
+                <a:schemeClr val="accent1"/>
+              </a:fillRef>
+              <a:effectRef idx="0">
+                <a:schemeClr val="accent1"/>
+              </a:effectRef>
+              <a:fontRef idx="minor">
+                <a:schemeClr val="tx1"/>
+              </a:fontRef>
+            </p:style>
+          </p:cxnSp>
+          <p:cxnSp>
+            <p:nvCxnSpPr>
+              <p:cNvPr id="8" name="直接连接符 7"/>
+              <p:cNvCxnSpPr/>
+              <p:nvPr/>
+            </p:nvCxnSpPr>
+            <p:spPr>
+              <a:xfrm flipH="1">
+                <a:off x="2771800" y="4086231"/>
+                <a:ext cx="236869" cy="236868"/>
+              </a:xfrm>
+              <a:prstGeom prst="line">
+                <a:avLst/>
+              </a:prstGeom>
+              <a:ln w="9525"/>
+            </p:spPr>
+            <p:style>
+              <a:lnRef idx="1">
+                <a:schemeClr val="accent1"/>
+              </a:lnRef>
+              <a:fillRef idx="0">
+                <a:schemeClr val="accent1"/>
+              </a:fillRef>
+              <a:effectRef idx="0">
+                <a:schemeClr val="accent1"/>
+              </a:effectRef>
+              <a:fontRef idx="minor">
+                <a:schemeClr val="tx1"/>
+              </a:fontRef>
+            </p:style>
+          </p:cxnSp>
+          <p:cxnSp>
+            <p:nvCxnSpPr>
+              <p:cNvPr id="10" name="直接连接符 9"/>
+              <p:cNvCxnSpPr/>
+              <p:nvPr/>
+            </p:nvCxnSpPr>
+            <p:spPr>
+              <a:xfrm>
+                <a:off x="3008669" y="4086231"/>
+                <a:ext cx="236869" cy="236868"/>
+              </a:xfrm>
+              <a:prstGeom prst="line">
+                <a:avLst/>
+              </a:prstGeom>
+              <a:ln w="9525"/>
+            </p:spPr>
+            <p:style>
+              <a:lnRef idx="1">
+                <a:schemeClr val="accent1"/>
+              </a:lnRef>
+              <a:fillRef idx="0">
+                <a:schemeClr val="accent1"/>
+              </a:fillRef>
+              <a:effectRef idx="0">
+                <a:schemeClr val="accent1"/>
+              </a:effectRef>
+              <a:fontRef idx="minor">
+                <a:schemeClr val="tx1"/>
+              </a:fontRef>
+            </p:style>
+          </p:cxnSp>
+        </p:grpSp>
+        <p:sp>
+          <p:nvSpPr>
+            <p:cNvPr id="13" name="文本框 12"/>
+            <p:cNvSpPr txBox="1"/>
+            <p:nvPr/>
+          </p:nvSpPr>
+          <p:spPr>
+            <a:xfrm>
+              <a:off x="2627784" y="4197425"/>
+              <a:ext cx="792088" cy="369332"/>
+            </a:xfrm>
+            <a:prstGeom prst="rect">
+              <a:avLst/>
+            </a:prstGeom>
+            <a:noFill/>
+          </p:spPr>
+          <p:txBody>
+            <a:bodyPr wrap="square" rtlCol="0">
+              <a:spAutoFit/>
+            </a:bodyPr>
+            <a:lstStyle/>
+            <a:p>
+              <a:pPr algn="ctr"/>
+              <a:r>
+                <a:rPr lang="zh-CN" altLang="en-US" dirty="0" smtClean="0"/>
+                <a:t>读者</a:t>
+              </a:r>
+              <a:endParaRPr lang="zh-CN" altLang="en-US" dirty="0"/>
+            </a:p>
+          </p:txBody>
+        </p:sp>
+      </p:grpSp>
+      <p:grpSp>
+        <p:nvGrpSpPr>
+          <p:cNvPr id="27" name="组合 26"/>
+          <p:cNvGrpSpPr/>
+          <p:nvPr/>
+        </p:nvGrpSpPr>
+        <p:grpSpPr>
+          <a:xfrm>
+            <a:off x="1123339" y="3851494"/>
+            <a:ext cx="936104" cy="1270740"/>
+            <a:chOff x="2498928" y="3573016"/>
+            <a:chExt cx="936104" cy="1270740"/>
+          </a:xfrm>
+        </p:grpSpPr>
+        <p:sp>
+          <p:nvSpPr>
+            <p:cNvPr id="28" name="椭圆 27"/>
+            <p:cNvSpPr/>
+            <p:nvPr/>
+          </p:nvSpPr>
+          <p:spPr>
+            <a:xfrm>
+              <a:off x="2890234" y="3573016"/>
+              <a:ext cx="236869" cy="236868"/>
+            </a:xfrm>
+            <a:prstGeom prst="ellipse">
+              <a:avLst/>
+            </a:prstGeom>
+            <a:noFill/>
+            <a:ln w="9525"/>
+          </p:spPr>
+          <p:style>
+            <a:lnRef idx="2">
+              <a:schemeClr val="dk1"/>
+            </a:lnRef>
+            <a:fillRef idx="1">
+              <a:schemeClr val="lt1"/>
+            </a:fillRef>
+            <a:effectRef idx="0">
+              <a:schemeClr val="dk1"/>
+            </a:effectRef>
+            <a:fontRef idx="minor">
+              <a:schemeClr val="dk1"/>
+            </a:fontRef>
+          </p:style>
+          <p:txBody>
+            <a:bodyPr rtlCol="0" anchor="ctr"/>
+            <a:lstStyle/>
+            <a:p>
+              <a:pPr algn="ctr"/>
+              <a:endParaRPr lang="zh-CN" altLang="en-US"/>
+            </a:p>
+          </p:txBody>
+        </p:sp>
+        <p:grpSp>
+          <p:nvGrpSpPr>
+            <p:cNvPr id="29" name="组合 28"/>
+            <p:cNvGrpSpPr/>
+            <p:nvPr/>
+          </p:nvGrpSpPr>
+          <p:grpSpPr>
+            <a:xfrm>
+              <a:off x="2771800" y="3809885"/>
+              <a:ext cx="473738" cy="411204"/>
+              <a:chOff x="2771800" y="3809884"/>
+              <a:chExt cx="473738" cy="513215"/>
+            </a:xfrm>
+          </p:grpSpPr>
+          <p:cxnSp>
+            <p:nvCxnSpPr>
+              <p:cNvPr id="31" name="直接连接符 30"/>
+              <p:cNvCxnSpPr/>
+              <p:nvPr/>
+            </p:nvCxnSpPr>
+            <p:spPr>
+              <a:xfrm>
+                <a:off x="2771800" y="3888840"/>
+                <a:ext cx="434259" cy="0"/>
+              </a:xfrm>
+              <a:prstGeom prst="line">
+                <a:avLst/>
+              </a:prstGeom>
+              <a:ln w="9525"/>
+            </p:spPr>
+            <p:style>
+              <a:lnRef idx="1">
+                <a:schemeClr val="accent1"/>
+              </a:lnRef>
+              <a:fillRef idx="0">
+                <a:schemeClr val="accent1"/>
+              </a:fillRef>
+              <a:effectRef idx="0">
+                <a:schemeClr val="accent1"/>
+              </a:effectRef>
+              <a:fontRef idx="minor">
+                <a:schemeClr val="tx1"/>
+              </a:fontRef>
+            </p:style>
+          </p:cxnSp>
+          <p:cxnSp>
+            <p:nvCxnSpPr>
+              <p:cNvPr id="32" name="直接连接符 31"/>
+              <p:cNvCxnSpPr>
+                <a:stCxn id="28" idx="4"/>
+              </p:cNvCxnSpPr>
+              <p:nvPr/>
+            </p:nvCxnSpPr>
+            <p:spPr>
+              <a:xfrm>
+                <a:off x="3008669" y="3809884"/>
+                <a:ext cx="0" cy="276346"/>
+              </a:xfrm>
+              <a:prstGeom prst="line">
+                <a:avLst/>
+              </a:prstGeom>
+              <a:ln w="9525"/>
+            </p:spPr>
+            <p:style>
+              <a:lnRef idx="1">
+                <a:schemeClr val="accent1"/>
+              </a:lnRef>
+              <a:fillRef idx="0">
+                <a:schemeClr val="accent1"/>
+              </a:fillRef>
+              <a:effectRef idx="0">
+                <a:schemeClr val="accent1"/>
+              </a:effectRef>
+              <a:fontRef idx="minor">
+                <a:schemeClr val="tx1"/>
+              </a:fontRef>
+            </p:style>
+          </p:cxnSp>
+          <p:cxnSp>
+            <p:nvCxnSpPr>
+              <p:cNvPr id="33" name="直接连接符 32"/>
+              <p:cNvCxnSpPr/>
+              <p:nvPr/>
+            </p:nvCxnSpPr>
+            <p:spPr>
+              <a:xfrm flipH="1">
+                <a:off x="2771800" y="4086231"/>
+                <a:ext cx="236869" cy="236868"/>
+              </a:xfrm>
+              <a:prstGeom prst="line">
+                <a:avLst/>
+              </a:prstGeom>
+              <a:ln w="9525"/>
+            </p:spPr>
+            <p:style>
+              <a:lnRef idx="1">
+                <a:schemeClr val="accent1"/>
+              </a:lnRef>
+              <a:fillRef idx="0">
+                <a:schemeClr val="accent1"/>
+              </a:fillRef>
+              <a:effectRef idx="0">
+                <a:schemeClr val="accent1"/>
+              </a:effectRef>
+              <a:fontRef idx="minor">
+                <a:schemeClr val="tx1"/>
+              </a:fontRef>
+            </p:style>
+          </p:cxnSp>
+          <p:cxnSp>
+            <p:nvCxnSpPr>
+              <p:cNvPr id="34" name="直接连接符 33"/>
+              <p:cNvCxnSpPr/>
+              <p:nvPr/>
+            </p:nvCxnSpPr>
+            <p:spPr>
+              <a:xfrm>
+                <a:off x="3008669" y="4086231"/>
+                <a:ext cx="236869" cy="236868"/>
+              </a:xfrm>
+              <a:prstGeom prst="line">
+                <a:avLst/>
+              </a:prstGeom>
+              <a:ln w="9525"/>
+            </p:spPr>
+            <p:style>
+              <a:lnRef idx="1">
+                <a:schemeClr val="accent1"/>
+              </a:lnRef>
+              <a:fillRef idx="0">
+                <a:schemeClr val="accent1"/>
+              </a:fillRef>
+              <a:effectRef idx="0">
+                <a:schemeClr val="accent1"/>
+              </a:effectRef>
+              <a:fontRef idx="minor">
+                <a:schemeClr val="tx1"/>
+              </a:fontRef>
+            </p:style>
+          </p:cxnSp>
+        </p:grpSp>
+        <p:sp>
+          <p:nvSpPr>
+            <p:cNvPr id="30" name="文本框 29"/>
+            <p:cNvSpPr txBox="1"/>
+            <p:nvPr/>
+          </p:nvSpPr>
+          <p:spPr>
+            <a:xfrm>
+              <a:off x="2498928" y="4197425"/>
+              <a:ext cx="936104" cy="646331"/>
+            </a:xfrm>
+            <a:prstGeom prst="rect">
+              <a:avLst/>
+            </a:prstGeom>
+            <a:noFill/>
+          </p:spPr>
+          <p:txBody>
+            <a:bodyPr wrap="square" rtlCol="0">
+              <a:spAutoFit/>
+            </a:bodyPr>
+            <a:lstStyle/>
+            <a:p>
+              <a:pPr algn="ctr"/>
+              <a:r>
+                <a:rPr lang="zh-CN" altLang="en-US" dirty="0" smtClean="0"/>
+                <a:t>图书管理员</a:t>
+              </a:r>
+              <a:endParaRPr lang="zh-CN" altLang="en-US" dirty="0"/>
+            </a:p>
+          </p:txBody>
+        </p:sp>
+      </p:grpSp>
+      <p:sp>
+        <p:nvSpPr>
+          <p:cNvPr id="16" name="矩形 15"/>
+          <p:cNvSpPr/>
+          <p:nvPr/>
+        </p:nvSpPr>
+        <p:spPr>
+          <a:xfrm>
+            <a:off x="2979439" y="2972238"/>
+            <a:ext cx="3843134" cy="2833026"/>
+          </a:xfrm>
+          <a:prstGeom prst="rect">
+            <a:avLst/>
+          </a:prstGeom>
+          <a:noFill/>
+        </p:spPr>
+        <p:style>
+          <a:lnRef idx="2">
+            <a:schemeClr val="dk1"/>
+          </a:lnRef>
+          <a:fillRef idx="1">
+            <a:schemeClr val="lt1"/>
+          </a:fillRef>
+          <a:effectRef idx="0">
+            <a:schemeClr val="dk1"/>
+          </a:effectRef>
+          <a:fontRef idx="minor">
+            <a:schemeClr val="dk1"/>
+          </a:fontRef>
+        </p:style>
+        <p:txBody>
+          <a:bodyPr rtlCol="0" anchor="ctr"/>
+          <a:lstStyle/>
+          <a:p>
+            <a:pPr algn="ctr"/>
+            <a:endParaRPr lang="zh-CN" altLang="en-US" dirty="0"/>
+          </a:p>
+        </p:txBody>
+      </p:sp>
+      <p:cxnSp>
+        <p:nvCxnSpPr>
+          <p:cNvPr id="35" name="直接箭头连接符 34"/>
+          <p:cNvCxnSpPr>
+            <a:endCxn id="3" idx="2"/>
+          </p:cNvCxnSpPr>
+          <p:nvPr/>
+        </p:nvCxnSpPr>
+        <p:spPr>
+          <a:xfrm flipV="1">
+            <a:off x="2053444" y="3369118"/>
+            <a:ext cx="1085421" cy="1069084"/>
+          </a:xfrm>
+          <a:prstGeom prst="straightConnector1">
+            <a:avLst/>
+          </a:prstGeom>
+          <a:ln>
+            <a:tailEnd type="triangle"/>
+          </a:ln>
+        </p:spPr>
+        <p:style>
+          <a:lnRef idx="1">
+            <a:schemeClr val="accent1"/>
+          </a:lnRef>
+          <a:fillRef idx="0">
+            <a:schemeClr val="accent1"/>
+          </a:fillRef>
+          <a:effectRef idx="0">
+            <a:schemeClr val="accent1"/>
+          </a:effectRef>
+          <a:fontRef idx="minor">
+            <a:schemeClr val="tx1"/>
+          </a:fontRef>
+        </p:style>
+      </p:cxnSp>
+      <p:cxnSp>
+        <p:nvCxnSpPr>
+          <p:cNvPr id="38" name="直接箭头连接符 37"/>
+          <p:cNvCxnSpPr>
+            <a:endCxn id="36" idx="6"/>
+          </p:cNvCxnSpPr>
+          <p:nvPr/>
+        </p:nvCxnSpPr>
+        <p:spPr>
+          <a:xfrm flipH="1" flipV="1">
+            <a:off x="6509606" y="3372762"/>
+            <a:ext cx="950085" cy="1089188"/>
+          </a:xfrm>
+          <a:prstGeom prst="straightConnector1">
+            <a:avLst/>
+          </a:prstGeom>
+          <a:ln>
+            <a:tailEnd type="triangle"/>
+          </a:ln>
+        </p:spPr>
+        <p:style>
+          <a:lnRef idx="1">
+            <a:schemeClr val="accent1"/>
+          </a:lnRef>
+          <a:fillRef idx="0">
+            <a:schemeClr val="accent1"/>
+          </a:fillRef>
+          <a:effectRef idx="0">
+            <a:schemeClr val="accent1"/>
+          </a:effectRef>
+          <a:fontRef idx="minor">
+            <a:schemeClr val="tx1"/>
+          </a:fontRef>
+        </p:style>
+      </p:cxnSp>
+      <p:sp>
+        <p:nvSpPr>
+          <p:cNvPr id="3" name="椭圆 2"/>
+          <p:cNvSpPr/>
+          <p:nvPr/>
+        </p:nvSpPr>
+        <p:spPr>
+          <a:xfrm>
+            <a:off x="3138865" y="3104267"/>
+            <a:ext cx="1572664" cy="529701"/>
+          </a:xfrm>
+          <a:prstGeom prst="ellipse">
+            <a:avLst/>
+          </a:prstGeom>
+          <a:noFill/>
+        </p:spPr>
+        <p:style>
+          <a:lnRef idx="2">
+            <a:schemeClr val="dk1"/>
+          </a:lnRef>
+          <a:fillRef idx="1">
+            <a:schemeClr val="lt1"/>
+          </a:fillRef>
+          <a:effectRef idx="0">
+            <a:schemeClr val="dk1"/>
+          </a:effectRef>
+          <a:fontRef idx="minor">
+            <a:schemeClr val="dk1"/>
+          </a:fontRef>
+        </p:style>
+        <p:txBody>
+          <a:bodyPr rot="0" spcFirstLastPara="0" vertOverflow="overflow" horzOverflow="overflow" vert="horz" wrap="square" lIns="91440" tIns="45720" rIns="91440" bIns="45720" numCol="1" spcCol="0" rtlCol="0" fromWordArt="0" anchor="ctr" anchorCtr="0" forceAA="0" compatLnSpc="1">
+            <a:prstTxWarp prst="textNoShape">
+              <a:avLst/>
+            </a:prstTxWarp>
+            <a:noAutofit/>
+          </a:bodyPr>
+          <a:lstStyle/>
+          <a:p>
+            <a:pPr algn="ctr"/>
+            <a:r>
+              <a:rPr lang="zh-CN" altLang="en-US" dirty="0" smtClean="0"/>
+              <a:t>借书</a:t>
+            </a:r>
+            <a:endParaRPr lang="zh-CN" altLang="en-US" dirty="0"/>
+          </a:p>
+        </p:txBody>
+      </p:sp>
+      <p:sp>
+        <p:nvSpPr>
+          <p:cNvPr id="24" name="椭圆 23"/>
+          <p:cNvSpPr/>
+          <p:nvPr/>
+        </p:nvSpPr>
+        <p:spPr>
+          <a:xfrm>
+            <a:off x="3176828" y="3755783"/>
+            <a:ext cx="1572664" cy="529701"/>
+          </a:xfrm>
+          <a:prstGeom prst="ellipse">
+            <a:avLst/>
+          </a:prstGeom>
+          <a:noFill/>
+        </p:spPr>
+        <p:style>
+          <a:lnRef idx="2">
+            <a:schemeClr val="dk1"/>
+          </a:lnRef>
+          <a:fillRef idx="1">
+            <a:schemeClr val="lt1"/>
+          </a:fillRef>
+          <a:effectRef idx="0">
+            <a:schemeClr val="dk1"/>
+          </a:effectRef>
+          <a:fontRef idx="minor">
+            <a:schemeClr val="dk1"/>
+          </a:fontRef>
+        </p:style>
+        <p:txBody>
+          <a:bodyPr rot="0" spcFirstLastPara="0" vertOverflow="overflow" horzOverflow="overflow" vert="horz" wrap="square" lIns="91440" tIns="45720" rIns="91440" bIns="45720" numCol="1" spcCol="0" rtlCol="0" fromWordArt="0" anchor="ctr" anchorCtr="0" forceAA="0" compatLnSpc="1">
+            <a:prstTxWarp prst="textNoShape">
+              <a:avLst/>
+            </a:prstTxWarp>
+            <a:noAutofit/>
+          </a:bodyPr>
+          <a:lstStyle/>
+          <a:p>
+            <a:pPr algn="ctr"/>
+            <a:r>
+              <a:rPr lang="zh-CN" altLang="en-US" dirty="0"/>
+              <a:t>还</a:t>
+            </a:r>
+            <a:r>
+              <a:rPr lang="zh-CN" altLang="en-US" dirty="0" smtClean="0"/>
+              <a:t>书</a:t>
+            </a:r>
+            <a:endParaRPr lang="zh-CN" altLang="en-US" dirty="0"/>
+          </a:p>
+        </p:txBody>
+      </p:sp>
+      <p:sp>
+        <p:nvSpPr>
+          <p:cNvPr id="25" name="椭圆 24"/>
+          <p:cNvSpPr/>
+          <p:nvPr/>
+        </p:nvSpPr>
+        <p:spPr>
+          <a:xfrm>
+            <a:off x="3241659" y="4461950"/>
+            <a:ext cx="1572664" cy="529701"/>
+          </a:xfrm>
+          <a:prstGeom prst="ellipse">
+            <a:avLst/>
+          </a:prstGeom>
+          <a:noFill/>
+        </p:spPr>
+        <p:style>
+          <a:lnRef idx="2">
+            <a:schemeClr val="dk1"/>
+          </a:lnRef>
+          <a:fillRef idx="1">
+            <a:schemeClr val="lt1"/>
+          </a:fillRef>
+          <a:effectRef idx="0">
+            <a:schemeClr val="dk1"/>
+          </a:effectRef>
+          <a:fontRef idx="minor">
+            <a:schemeClr val="dk1"/>
+          </a:fontRef>
+        </p:style>
+        <p:txBody>
+          <a:bodyPr rot="0" spcFirstLastPara="0" vertOverflow="overflow" horzOverflow="overflow" vert="horz" wrap="square" lIns="91440" tIns="45720" rIns="91440" bIns="45720" numCol="1" spcCol="0" rtlCol="0" fromWordArt="0" anchor="ctr" anchorCtr="0" forceAA="0" compatLnSpc="1">
+            <a:prstTxWarp prst="textNoShape">
+              <a:avLst/>
+            </a:prstTxWarp>
+            <a:noAutofit/>
+          </a:bodyPr>
+          <a:lstStyle/>
+          <a:p>
+            <a:pPr algn="ctr"/>
+            <a:r>
+              <a:rPr lang="zh-CN" altLang="en-US" dirty="0" smtClean="0"/>
+              <a:t>维护书目</a:t>
+            </a:r>
+            <a:endParaRPr lang="zh-CN" altLang="en-US" dirty="0"/>
+          </a:p>
+        </p:txBody>
+      </p:sp>
+      <p:sp>
+        <p:nvSpPr>
+          <p:cNvPr id="26" name="椭圆 25"/>
+          <p:cNvSpPr/>
+          <p:nvPr/>
+        </p:nvSpPr>
+        <p:spPr>
+          <a:xfrm>
+            <a:off x="3246268" y="5154619"/>
+            <a:ext cx="1572664" cy="529701"/>
+          </a:xfrm>
+          <a:prstGeom prst="ellipse">
+            <a:avLst/>
+          </a:prstGeom>
+          <a:noFill/>
+        </p:spPr>
+        <p:style>
+          <a:lnRef idx="2">
+            <a:schemeClr val="dk1"/>
+          </a:lnRef>
+          <a:fillRef idx="1">
+            <a:schemeClr val="lt1"/>
+          </a:fillRef>
+          <a:effectRef idx="0">
+            <a:schemeClr val="dk1"/>
+          </a:effectRef>
+          <a:fontRef idx="minor">
+            <a:schemeClr val="dk1"/>
+          </a:fontRef>
+        </p:style>
+        <p:txBody>
+          <a:bodyPr rot="0" spcFirstLastPara="0" vertOverflow="overflow" horzOverflow="overflow" vert="horz" wrap="square" lIns="91440" tIns="45720" rIns="91440" bIns="45720" numCol="1" spcCol="0" rtlCol="0" fromWordArt="0" anchor="ctr" anchorCtr="0" forceAA="0" compatLnSpc="1">
+            <a:prstTxWarp prst="textNoShape">
+              <a:avLst/>
+            </a:prstTxWarp>
+            <a:noAutofit/>
+          </a:bodyPr>
+          <a:lstStyle/>
+          <a:p>
+            <a:pPr algn="ctr"/>
+            <a:r>
+              <a:rPr lang="zh-CN" altLang="en-US" dirty="0" smtClean="0"/>
+              <a:t>维护读者信息</a:t>
+            </a:r>
+            <a:endParaRPr lang="zh-CN" altLang="en-US" dirty="0"/>
+          </a:p>
+        </p:txBody>
+      </p:sp>
+      <p:sp>
+        <p:nvSpPr>
+          <p:cNvPr id="36" name="椭圆 35"/>
+          <p:cNvSpPr/>
+          <p:nvPr/>
+        </p:nvSpPr>
+        <p:spPr>
+          <a:xfrm>
+            <a:off x="4936942" y="3107911"/>
+            <a:ext cx="1572664" cy="529701"/>
+          </a:xfrm>
+          <a:prstGeom prst="ellipse">
+            <a:avLst/>
+          </a:prstGeom>
+          <a:noFill/>
+        </p:spPr>
+        <p:style>
+          <a:lnRef idx="2">
+            <a:schemeClr val="dk1"/>
+          </a:lnRef>
+          <a:fillRef idx="1">
+            <a:schemeClr val="lt1"/>
+          </a:fillRef>
+          <a:effectRef idx="0">
+            <a:schemeClr val="dk1"/>
+          </a:effectRef>
+          <a:fontRef idx="minor">
+            <a:schemeClr val="dk1"/>
+          </a:fontRef>
+        </p:style>
+        <p:txBody>
+          <a:bodyPr rot="0" spcFirstLastPara="0" vertOverflow="overflow" horzOverflow="overflow" vert="horz" wrap="square" lIns="91440" tIns="45720" rIns="91440" bIns="45720" numCol="1" spcCol="0" rtlCol="0" fromWordArt="0" anchor="ctr" anchorCtr="0" forceAA="0" compatLnSpc="1">
+            <a:prstTxWarp prst="textNoShape">
+              <a:avLst/>
+            </a:prstTxWarp>
+            <a:noAutofit/>
+          </a:bodyPr>
+          <a:lstStyle/>
+          <a:p>
+            <a:pPr algn="ctr"/>
+            <a:r>
+              <a:rPr lang="zh-CN" altLang="en-US" dirty="0" smtClean="0"/>
+              <a:t>查询书目</a:t>
+            </a:r>
+            <a:endParaRPr lang="zh-CN" altLang="en-US" dirty="0"/>
+          </a:p>
+        </p:txBody>
+      </p:sp>
+      <p:sp>
+        <p:nvSpPr>
+          <p:cNvPr id="37" name="椭圆 36"/>
+          <p:cNvSpPr/>
+          <p:nvPr/>
+        </p:nvSpPr>
+        <p:spPr>
+          <a:xfrm>
+            <a:off x="4955537" y="3780079"/>
+            <a:ext cx="1572664" cy="529701"/>
+          </a:xfrm>
+          <a:prstGeom prst="ellipse">
+            <a:avLst/>
+          </a:prstGeom>
+          <a:noFill/>
+        </p:spPr>
+        <p:style>
+          <a:lnRef idx="2">
+            <a:schemeClr val="dk1"/>
+          </a:lnRef>
+          <a:fillRef idx="1">
+            <a:schemeClr val="lt1"/>
+          </a:fillRef>
+          <a:effectRef idx="0">
+            <a:schemeClr val="dk1"/>
+          </a:effectRef>
+          <a:fontRef idx="minor">
+            <a:schemeClr val="dk1"/>
+          </a:fontRef>
+        </p:style>
+        <p:txBody>
+          <a:bodyPr rot="0" spcFirstLastPara="0" vertOverflow="overflow" horzOverflow="overflow" vert="horz" wrap="square" lIns="91440" tIns="45720" rIns="91440" bIns="45720" numCol="1" spcCol="0" rtlCol="0" fromWordArt="0" anchor="ctr" anchorCtr="0" forceAA="0" compatLnSpc="1">
+            <a:prstTxWarp prst="textNoShape">
+              <a:avLst/>
+            </a:prstTxWarp>
+            <a:noAutofit/>
+          </a:bodyPr>
+          <a:lstStyle/>
+          <a:p>
+            <a:pPr algn="ctr"/>
+            <a:r>
+              <a:rPr lang="zh-CN" altLang="en-US" dirty="0" smtClean="0"/>
+              <a:t>查询借阅情况</a:t>
+            </a:r>
+            <a:endParaRPr lang="zh-CN" altLang="en-US" dirty="0"/>
+          </a:p>
+        </p:txBody>
+      </p:sp>
+      <p:sp>
+        <p:nvSpPr>
+          <p:cNvPr id="39" name="椭圆 38"/>
+          <p:cNvSpPr/>
+          <p:nvPr/>
+        </p:nvSpPr>
+        <p:spPr>
+          <a:xfrm>
+            <a:off x="4958019" y="4438202"/>
+            <a:ext cx="1572664" cy="529701"/>
+          </a:xfrm>
+          <a:prstGeom prst="ellipse">
+            <a:avLst/>
+          </a:prstGeom>
+          <a:noFill/>
+        </p:spPr>
+        <p:style>
+          <a:lnRef idx="2">
+            <a:schemeClr val="dk1"/>
+          </a:lnRef>
+          <a:fillRef idx="1">
+            <a:schemeClr val="lt1"/>
+          </a:fillRef>
+          <a:effectRef idx="0">
+            <a:schemeClr val="dk1"/>
+          </a:effectRef>
+          <a:fontRef idx="minor">
+            <a:schemeClr val="dk1"/>
+          </a:fontRef>
+        </p:style>
+        <p:txBody>
+          <a:bodyPr rot="0" spcFirstLastPara="0" vertOverflow="overflow" horzOverflow="overflow" vert="horz" wrap="square" lIns="91440" tIns="45720" rIns="91440" bIns="45720" numCol="1" spcCol="0" rtlCol="0" fromWordArt="0" anchor="ctr" anchorCtr="0" forceAA="0" compatLnSpc="1">
+            <a:prstTxWarp prst="textNoShape">
+              <a:avLst/>
+            </a:prstTxWarp>
+            <a:noAutofit/>
+          </a:bodyPr>
+          <a:lstStyle/>
+          <a:p>
+            <a:pPr algn="ctr"/>
+            <a:r>
+              <a:rPr lang="zh-CN" altLang="en-US" dirty="0" smtClean="0"/>
+              <a:t>预定图书</a:t>
+            </a:r>
+            <a:endParaRPr lang="zh-CN" altLang="en-US" dirty="0"/>
+          </a:p>
+        </p:txBody>
+      </p:sp>
+      <p:sp>
+        <p:nvSpPr>
+          <p:cNvPr id="40" name="椭圆 39"/>
+          <p:cNvSpPr/>
+          <p:nvPr/>
+        </p:nvSpPr>
+        <p:spPr>
+          <a:xfrm>
+            <a:off x="4988388" y="5126698"/>
+            <a:ext cx="1572664" cy="529701"/>
+          </a:xfrm>
+          <a:prstGeom prst="ellipse">
+            <a:avLst/>
+          </a:prstGeom>
+          <a:noFill/>
+        </p:spPr>
+        <p:style>
+          <a:lnRef idx="2">
+            <a:schemeClr val="dk1"/>
+          </a:lnRef>
+          <a:fillRef idx="1">
+            <a:schemeClr val="lt1"/>
+          </a:fillRef>
+          <a:effectRef idx="0">
+            <a:schemeClr val="dk1"/>
+          </a:effectRef>
+          <a:fontRef idx="minor">
+            <a:schemeClr val="dk1"/>
+          </a:fontRef>
+        </p:style>
+        <p:txBody>
+          <a:bodyPr rot="0" spcFirstLastPara="0" vertOverflow="overflow" horzOverflow="overflow" vert="horz" wrap="square" lIns="91440" tIns="45720" rIns="91440" bIns="45720" numCol="1" spcCol="0" rtlCol="0" fromWordArt="0" anchor="ctr" anchorCtr="0" forceAA="0" compatLnSpc="1">
+            <a:prstTxWarp prst="textNoShape">
+              <a:avLst/>
+            </a:prstTxWarp>
+            <a:noAutofit/>
+          </a:bodyPr>
+          <a:lstStyle/>
+          <a:p>
+            <a:pPr algn="ctr"/>
+            <a:r>
+              <a:rPr lang="zh-CN" altLang="en-US" dirty="0" smtClean="0"/>
+              <a:t>取消预定图书</a:t>
+            </a:r>
+            <a:endParaRPr lang="zh-CN" altLang="en-US" dirty="0"/>
+          </a:p>
+        </p:txBody>
+      </p:sp>
+      <p:cxnSp>
+        <p:nvCxnSpPr>
+          <p:cNvPr id="41" name="直接箭头连接符 40"/>
+          <p:cNvCxnSpPr>
+            <a:endCxn id="24" idx="2"/>
+          </p:cNvCxnSpPr>
+          <p:nvPr/>
+        </p:nvCxnSpPr>
+        <p:spPr>
+          <a:xfrm flipV="1">
+            <a:off x="2013965" y="4020634"/>
+            <a:ext cx="1162863" cy="478933"/>
+          </a:xfrm>
+          <a:prstGeom prst="straightConnector1">
+            <a:avLst/>
+          </a:prstGeom>
+          <a:ln>
+            <a:tailEnd type="triangle"/>
+          </a:ln>
+        </p:spPr>
+        <p:style>
+          <a:lnRef idx="1">
+            <a:schemeClr val="accent1"/>
+          </a:lnRef>
+          <a:fillRef idx="0">
+            <a:schemeClr val="accent1"/>
+          </a:fillRef>
+          <a:effectRef idx="0">
+            <a:schemeClr val="accent1"/>
+          </a:effectRef>
+          <a:fontRef idx="minor">
+            <a:schemeClr val="tx1"/>
+          </a:fontRef>
+        </p:style>
+      </p:cxnSp>
+      <p:cxnSp>
+        <p:nvCxnSpPr>
+          <p:cNvPr id="42" name="直接箭头连接符 41"/>
+          <p:cNvCxnSpPr>
+            <a:endCxn id="25" idx="2"/>
+          </p:cNvCxnSpPr>
+          <p:nvPr/>
+        </p:nvCxnSpPr>
+        <p:spPr>
+          <a:xfrm>
+            <a:off x="2027946" y="4499567"/>
+            <a:ext cx="1213713" cy="227234"/>
+          </a:xfrm>
+          <a:prstGeom prst="straightConnector1">
+            <a:avLst/>
+          </a:prstGeom>
+          <a:ln>
+            <a:tailEnd type="triangle"/>
+          </a:ln>
+        </p:spPr>
+        <p:style>
+          <a:lnRef idx="1">
+            <a:schemeClr val="accent1"/>
+          </a:lnRef>
+          <a:fillRef idx="0">
+            <a:schemeClr val="accent1"/>
+          </a:fillRef>
+          <a:effectRef idx="0">
+            <a:schemeClr val="accent1"/>
+          </a:effectRef>
+          <a:fontRef idx="minor">
+            <a:schemeClr val="tx1"/>
+          </a:fontRef>
+        </p:style>
+      </p:cxnSp>
+      <p:cxnSp>
+        <p:nvCxnSpPr>
+          <p:cNvPr id="43" name="直接箭头连接符 42"/>
+          <p:cNvCxnSpPr>
+            <a:endCxn id="26" idx="2"/>
+          </p:cNvCxnSpPr>
+          <p:nvPr/>
+        </p:nvCxnSpPr>
+        <p:spPr>
+          <a:xfrm>
+            <a:off x="2027946" y="4499567"/>
+            <a:ext cx="1218322" cy="919903"/>
+          </a:xfrm>
+          <a:prstGeom prst="straightConnector1">
+            <a:avLst/>
+          </a:prstGeom>
+          <a:ln>
+            <a:tailEnd type="triangle"/>
+          </a:ln>
+        </p:spPr>
+        <p:style>
+          <a:lnRef idx="1">
+            <a:schemeClr val="accent1"/>
+          </a:lnRef>
+          <a:fillRef idx="0">
+            <a:schemeClr val="accent1"/>
+          </a:fillRef>
+          <a:effectRef idx="0">
+            <a:schemeClr val="accent1"/>
+          </a:effectRef>
+          <a:fontRef idx="minor">
+            <a:schemeClr val="tx1"/>
+          </a:fontRef>
+        </p:style>
+      </p:cxnSp>
+      <p:cxnSp>
+        <p:nvCxnSpPr>
+          <p:cNvPr id="49" name="直接箭头连接符 48"/>
+          <p:cNvCxnSpPr>
+            <a:endCxn id="40" idx="6"/>
+          </p:cNvCxnSpPr>
+          <p:nvPr/>
+        </p:nvCxnSpPr>
+        <p:spPr>
+          <a:xfrm flipH="1">
+            <a:off x="6561052" y="4462180"/>
+            <a:ext cx="937762" cy="929369"/>
+          </a:xfrm>
+          <a:prstGeom prst="straightConnector1">
+            <a:avLst/>
+          </a:prstGeom>
+          <a:ln>
+            <a:tailEnd type="triangle"/>
+          </a:ln>
+        </p:spPr>
+        <p:style>
+          <a:lnRef idx="1">
+            <a:schemeClr val="accent1"/>
+          </a:lnRef>
+          <a:fillRef idx="0">
+            <a:schemeClr val="accent1"/>
+          </a:fillRef>
+          <a:effectRef idx="0">
+            <a:schemeClr val="accent1"/>
+          </a:effectRef>
+          <a:fontRef idx="minor">
+            <a:schemeClr val="tx1"/>
+          </a:fontRef>
+        </p:style>
+      </p:cxnSp>
+      <p:cxnSp>
+        <p:nvCxnSpPr>
+          <p:cNvPr id="50" name="直接箭头连接符 49"/>
+          <p:cNvCxnSpPr>
+            <a:endCxn id="39" idx="6"/>
+          </p:cNvCxnSpPr>
+          <p:nvPr/>
+        </p:nvCxnSpPr>
+        <p:spPr>
+          <a:xfrm flipH="1">
+            <a:off x="6530683" y="4461950"/>
+            <a:ext cx="944205" cy="241103"/>
+          </a:xfrm>
+          <a:prstGeom prst="straightConnector1">
+            <a:avLst/>
+          </a:prstGeom>
+          <a:ln>
+            <a:tailEnd type="triangle"/>
+          </a:ln>
+        </p:spPr>
+        <p:style>
+          <a:lnRef idx="1">
+            <a:schemeClr val="accent1"/>
+          </a:lnRef>
+          <a:fillRef idx="0">
+            <a:schemeClr val="accent1"/>
+          </a:fillRef>
+          <a:effectRef idx="0">
+            <a:schemeClr val="accent1"/>
+          </a:effectRef>
+          <a:fontRef idx="minor">
+            <a:schemeClr val="tx1"/>
+          </a:fontRef>
+        </p:style>
+      </p:cxnSp>
+      <p:cxnSp>
+        <p:nvCxnSpPr>
+          <p:cNvPr id="51" name="直接箭头连接符 50"/>
+          <p:cNvCxnSpPr>
+            <a:endCxn id="37" idx="6"/>
+          </p:cNvCxnSpPr>
+          <p:nvPr/>
+        </p:nvCxnSpPr>
+        <p:spPr>
+          <a:xfrm flipH="1" flipV="1">
+            <a:off x="6528201" y="4044930"/>
+            <a:ext cx="924907" cy="430972"/>
+          </a:xfrm>
+          <a:prstGeom prst="straightConnector1">
+            <a:avLst/>
+          </a:prstGeom>
+          <a:ln>
+            <a:tailEnd type="triangle"/>
+          </a:ln>
+        </p:spPr>
+        <p:style>
+          <a:lnRef idx="1">
+            <a:schemeClr val="accent1"/>
+          </a:lnRef>
+          <a:fillRef idx="0">
+            <a:schemeClr val="accent1"/>
+          </a:fillRef>
+          <a:effectRef idx="0">
+            <a:schemeClr val="accent1"/>
+          </a:effectRef>
+          <a:fontRef idx="minor">
+            <a:schemeClr val="tx1"/>
+          </a:fontRef>
+        </p:style>
+      </p:cxnSp>
     </p:spTree>
     <p:extLst>
       <p:ext uri="{BB962C8B-B14F-4D97-AF65-F5344CB8AC3E}">
-        <p14:creationId xmlns:p14="http://schemas.microsoft.com/office/powerpoint/2010/main" val="3394378531"/>
+        <p14:creationId xmlns:p14="http://schemas.microsoft.com/office/powerpoint/2010/main" val="3744266602"/>
       </p:ext>
     </p:extLst>
   </p:cSld>
@@ -7555,14 +8654,9 @@
           <a:lstStyle/>
           <a:p>
             <a:r>
-              <a:rPr lang="en-US" altLang="zh-CN" dirty="0" smtClean="0"/>
-              <a:t>7.2 </a:t>
-            </a:r>
-            <a:r>
               <a:rPr lang="zh-CN" altLang="en-US" dirty="0" smtClean="0"/>
-              <a:t>用例描述</a:t>
-            </a:r>
-            <a:endParaRPr lang="zh-CN" altLang="en-US" dirty="0" smtClean="0"/>
+              <a:t>用例识别注意事项</a:t>
+            </a:r>
           </a:p>
         </p:txBody>
       </p:sp>
@@ -7576,10 +8670,15 @@
             <p:ph type="body" idx="1"/>
           </p:nvPr>
         </p:nvSpPr>
-        <p:spPr/>
+        <p:spPr>
+          <a:xfrm>
+            <a:off x="1195750" y="1763668"/>
+            <a:ext cx="6798736" cy="4329628"/>
+          </a:xfrm>
+        </p:spPr>
         <p:txBody>
           <a:bodyPr>
-            <a:normAutofit fontScale="85000" lnSpcReduction="20000"/>
+            <a:normAutofit fontScale="92500" lnSpcReduction="10000"/>
           </a:bodyPr>
           <a:lstStyle/>
           <a:p>
@@ -7593,15 +8692,7 @@
             </a:pPr>
             <a:r>
               <a:rPr lang="zh-CN" altLang="en-US" b="1" dirty="0" smtClean="0"/>
-              <a:t>用例的主要内容是文本（用例体），而不是用例图。主要工作是书写用例规约（</a:t>
-            </a:r>
-            <a:r>
-              <a:rPr lang="en-US" altLang="zh-CN" b="1" dirty="0" smtClean="0"/>
-              <a:t>use case specification</a:t>
-            </a:r>
-            <a:r>
-              <a:rPr lang="zh-CN" altLang="en-US" b="1" dirty="0" smtClean="0"/>
-              <a:t>）</a:t>
+              <a:t>不能混淆用例和用例包含的步骤，不能把其中的步骤作为用例！</a:t>
             </a:r>
             <a:endParaRPr lang="en-US" altLang="zh-CN" b="1" dirty="0" smtClean="0"/>
           </a:p>
@@ -7615,8 +8706,45 @@
               </a:spcBef>
             </a:pPr>
             <a:r>
+              <a:rPr lang="zh-CN" altLang="en-US" b="1" dirty="0" smtClean="0">
+                <a:latin typeface="楷体" panose="02010609060101010101" pitchFamily="49" charset="-122"/>
+                <a:ea typeface="楷体" panose="02010609060101010101" pitchFamily="49" charset="-122"/>
+              </a:rPr>
+              <a:t>比如，“借书”用例通常包括：用户注册，登录，检查可出借的数量，保存借书记录等。不能把这些动作看成是用例。</a:t>
+            </a:r>
+            <a:endParaRPr lang="en-US" altLang="zh-CN" b="1" dirty="0" smtClean="0">
+              <a:latin typeface="楷体" panose="02010609060101010101" pitchFamily="49" charset="-122"/>
+              <a:ea typeface="楷体" panose="02010609060101010101" pitchFamily="49" charset="-122"/>
+            </a:endParaRPr>
+          </a:p>
+          <a:p>
+            <a:pPr>
+              <a:lnSpc>
+                <a:spcPct val="120000"/>
+              </a:lnSpc>
+              <a:spcBef>
+                <a:spcPts val="0"/>
+              </a:spcBef>
+            </a:pPr>
+            <a:r>
               <a:rPr lang="zh-CN" altLang="en-US" b="1" dirty="0" smtClean="0"/>
-              <a:t>用例名称</a:t>
+              <a:t>注意区分业务</a:t>
+            </a:r>
+            <a:r>
+              <a:rPr lang="zh-CN" altLang="en-US" b="1" dirty="0"/>
+              <a:t>操作</a:t>
+            </a:r>
+            <a:r>
+              <a:rPr lang="zh-CN" altLang="en-US" b="1" dirty="0" smtClean="0"/>
+              <a:t>和系统用例。不能把</a:t>
+            </a:r>
+            <a:r>
+              <a:rPr lang="zh-CN" altLang="en-US" b="1" dirty="0"/>
+              <a:t>业务用例</a:t>
+            </a:r>
+            <a:r>
+              <a:rPr lang="zh-CN" altLang="en-US" b="1" dirty="0" smtClean="0"/>
+              <a:t>看成是用例。</a:t>
             </a:r>
             <a:endParaRPr lang="en-US" altLang="zh-CN" b="1" dirty="0" smtClean="0"/>
           </a:p>
@@ -7630,84 +8758,23 @@
               </a:spcBef>
             </a:pPr>
             <a:r>
-              <a:rPr lang="zh-CN" altLang="en-US" b="1" dirty="0" smtClean="0"/>
-              <a:t>参与者</a:t>
-            </a:r>
-            <a:endParaRPr lang="en-US" altLang="zh-CN" b="1" dirty="0" smtClean="0"/>
-          </a:p>
-          <a:p>
-            <a:pPr lvl="1">
-              <a:lnSpc>
-                <a:spcPct val="120000"/>
-              </a:lnSpc>
-              <a:spcBef>
-                <a:spcPts val="0"/>
-              </a:spcBef>
-            </a:pPr>
-            <a:r>
-              <a:rPr lang="zh-CN" altLang="en-US" b="1" dirty="0" smtClean="0"/>
-              <a:t>目标</a:t>
-            </a:r>
-            <a:endParaRPr lang="en-US" altLang="zh-CN" b="1" dirty="0" smtClean="0"/>
-          </a:p>
-          <a:p>
-            <a:pPr lvl="1">
-              <a:lnSpc>
-                <a:spcPct val="120000"/>
-              </a:lnSpc>
-              <a:spcBef>
-                <a:spcPts val="0"/>
-              </a:spcBef>
-            </a:pPr>
-            <a:r>
-              <a:rPr lang="zh-CN" altLang="en-US" b="1" dirty="0" smtClean="0"/>
-              <a:t>前置条件：</a:t>
-            </a:r>
-            <a:r>
-              <a:rPr lang="en-US" altLang="zh-CN" b="1" dirty="0" smtClean="0"/>
-              <a:t>pre-condition</a:t>
-            </a:r>
-          </a:p>
-          <a:p>
-            <a:pPr lvl="1">
-              <a:lnSpc>
-                <a:spcPct val="120000"/>
-              </a:lnSpc>
-              <a:spcBef>
-                <a:spcPts val="0"/>
-              </a:spcBef>
-            </a:pPr>
-            <a:r>
-              <a:rPr lang="zh-CN" altLang="en-US" b="1" dirty="0" smtClean="0"/>
-              <a:t>事件流：主事件流，备选事件流。</a:t>
-            </a:r>
-            <a:endParaRPr lang="en-US" altLang="zh-CN" b="1" dirty="0" smtClean="0"/>
-          </a:p>
-          <a:p>
-            <a:pPr lvl="1">
-              <a:lnSpc>
-                <a:spcPct val="120000"/>
-              </a:lnSpc>
-              <a:spcBef>
-                <a:spcPts val="0"/>
-              </a:spcBef>
-            </a:pPr>
-            <a:r>
-              <a:rPr lang="zh-CN" altLang="en-US" b="1" dirty="0" smtClean="0"/>
-              <a:t>后置条件</a:t>
-            </a:r>
-            <a:r>
-              <a:rPr lang="en-US" altLang="zh-CN" b="1" dirty="0" smtClean="0"/>
-              <a:t>: guarantee</a:t>
-            </a:r>
-            <a:endParaRPr lang="zh-CN" altLang="en-US" dirty="0" smtClean="0"/>
+              <a:rPr lang="zh-CN" altLang="en-US" b="1" dirty="0">
+                <a:latin typeface="楷体" panose="02010609060101010101" pitchFamily="49" charset="-122"/>
+                <a:ea typeface="楷体" panose="02010609060101010101" pitchFamily="49" charset="-122"/>
+              </a:rPr>
+              <a:t>比如，不能把整理书架，打扫卫生之类的线下动作看成用例。</a:t>
+            </a:r>
+            <a:endParaRPr lang="en-US" altLang="zh-CN" b="1" dirty="0">
+              <a:latin typeface="楷体" panose="02010609060101010101" pitchFamily="49" charset="-122"/>
+              <a:ea typeface="楷体" panose="02010609060101010101" pitchFamily="49" charset="-122"/>
+            </a:endParaRPr>
           </a:p>
         </p:txBody>
       </p:sp>
     </p:spTree>
     <p:extLst>
       <p:ext uri="{BB962C8B-B14F-4D97-AF65-F5344CB8AC3E}">
-        <p14:creationId xmlns:p14="http://schemas.microsoft.com/office/powerpoint/2010/main" val="245640965"/>
+        <p14:creationId xmlns:p14="http://schemas.microsoft.com/office/powerpoint/2010/main" val="3394378531"/>
       </p:ext>
     </p:extLst>
   </p:cSld>
@@ -7759,10 +8826,13 @@
           <a:lstStyle/>
           <a:p>
             <a:r>
-              <a:rPr lang="zh-CN" altLang="en-US" b="1" dirty="0" smtClean="0"/>
-              <a:t>前置条件和后置条件</a:t>
-            </a:r>
-            <a:endParaRPr lang="zh-CN" altLang="en-US" dirty="0" smtClean="0"/>
+              <a:rPr lang="en-US" altLang="zh-CN" dirty="0" smtClean="0"/>
+              <a:t>7.2 </a:t>
+            </a:r>
+            <a:r>
+              <a:rPr lang="zh-CN" altLang="en-US" dirty="0" smtClean="0"/>
+              <a:t>用例描述</a:t>
+            </a:r>
           </a:p>
         </p:txBody>
       </p:sp>
@@ -7779,7 +8849,7 @@
         <p:spPr/>
         <p:txBody>
           <a:bodyPr>
-            <a:normAutofit/>
+            <a:normAutofit fontScale="85000" lnSpcReduction="20000"/>
           </a:bodyPr>
           <a:lstStyle/>
           <a:p>
@@ -7793,12 +8863,17 @@
             </a:pPr>
             <a:r>
               <a:rPr lang="zh-CN" altLang="en-US" b="1" dirty="0" smtClean="0"/>
-              <a:t>前置条件：</a:t>
+              <a:t>用例的主要内容是文本（用例体），而不是用例图。主要工作是书写用例规约（</a:t>
             </a:r>
             <a:r>
               <a:rPr lang="en-US" altLang="zh-CN" b="1" dirty="0" smtClean="0"/>
-              <a:t>pre-condition</a:t>
-            </a:r>
+              <a:t>use case specification</a:t>
+            </a:r>
+            <a:r>
+              <a:rPr lang="zh-CN" altLang="en-US" b="1" dirty="0" smtClean="0"/>
+              <a:t>）</a:t>
+            </a:r>
+            <a:endParaRPr lang="en-US" altLang="zh-CN" b="1" dirty="0" smtClean="0"/>
           </a:p>
           <a:p>
             <a:pPr lvl="1">
@@ -7811,27 +8886,9 @@
             </a:pPr>
             <a:r>
               <a:rPr lang="zh-CN" altLang="en-US" b="1" dirty="0" smtClean="0"/>
-              <a:t>用例开始前的必备条件</a:t>
+              <a:t>用例名称</a:t>
             </a:r>
             <a:endParaRPr lang="en-US" altLang="zh-CN" b="1" dirty="0" smtClean="0"/>
-          </a:p>
-          <a:p>
-            <a:pPr>
-              <a:lnSpc>
-                <a:spcPct val="120000"/>
-              </a:lnSpc>
-              <a:spcBef>
-                <a:spcPts val="0"/>
-              </a:spcBef>
-            </a:pPr>
-            <a:r>
-              <a:rPr lang="zh-CN" altLang="en-US" b="1" dirty="0" smtClean="0"/>
-              <a:t>后置条件</a:t>
-            </a:r>
-            <a:r>
-              <a:rPr lang="en-US" altLang="zh-CN" b="1" dirty="0" smtClean="0"/>
-              <a:t>: guarantee</a:t>
-            </a:r>
           </a:p>
           <a:p>
             <a:pPr lvl="1">
@@ -7844,7 +8901,7 @@
             </a:pPr>
             <a:r>
               <a:rPr lang="zh-CN" altLang="en-US" b="1" dirty="0" smtClean="0"/>
-              <a:t>用例结束时，系统应保证的结果条件。</a:t>
+              <a:t>参与者</a:t>
             </a:r>
             <a:endParaRPr lang="en-US" altLang="zh-CN" b="1" dirty="0" smtClean="0"/>
           </a:p>
@@ -7859,7 +8916,59 @@
             </a:pPr>
             <a:r>
               <a:rPr lang="zh-CN" altLang="en-US" b="1" dirty="0" smtClean="0"/>
-              <a:t>例如，明细记录输入后往往需要自动统计功能。</a:t>
+              <a:t>目标</a:t>
+            </a:r>
+            <a:endParaRPr lang="en-US" altLang="zh-CN" b="1" dirty="0" smtClean="0"/>
+          </a:p>
+          <a:p>
+            <a:pPr lvl="1">
+              <a:lnSpc>
+                <a:spcPct val="120000"/>
+              </a:lnSpc>
+              <a:spcBef>
+                <a:spcPts val="0"/>
+              </a:spcBef>
+            </a:pPr>
+            <a:r>
+              <a:rPr lang="zh-CN" altLang="en-US" b="1" dirty="0" smtClean="0"/>
+              <a:t>前置条件：</a:t>
+            </a:r>
+            <a:r>
+              <a:rPr lang="en-US" altLang="zh-CN" b="1" dirty="0" smtClean="0"/>
+              <a:t>pre-condition</a:t>
+            </a:r>
+          </a:p>
+          <a:p>
+            <a:pPr lvl="1">
+              <a:lnSpc>
+                <a:spcPct val="120000"/>
+              </a:lnSpc>
+              <a:spcBef>
+                <a:spcPts val="0"/>
+              </a:spcBef>
+            </a:pPr>
+            <a:r>
+              <a:rPr lang="zh-CN" altLang="en-US" b="1" dirty="0" smtClean="0"/>
+              <a:t>事件流：主事件流，备选事件流。</a:t>
+            </a:r>
+            <a:endParaRPr lang="en-US" altLang="zh-CN" b="1" dirty="0" smtClean="0"/>
+          </a:p>
+          <a:p>
+            <a:pPr lvl="1">
+              <a:lnSpc>
+                <a:spcPct val="120000"/>
+              </a:lnSpc>
+              <a:spcBef>
+                <a:spcPts val="0"/>
+              </a:spcBef>
+            </a:pPr>
+            <a:r>
+              <a:rPr lang="zh-CN" altLang="en-US" b="1" dirty="0" smtClean="0"/>
+              <a:t>后置条件</a:t>
+            </a:r>
+            <a:r>
+              <a:rPr lang="en-US" altLang="zh-CN" b="1" dirty="0" smtClean="0"/>
+              <a:t>: guarantee</a:t>
             </a:r>
             <a:endParaRPr lang="zh-CN" altLang="en-US" dirty="0" smtClean="0"/>
           </a:p>
@@ -7868,7 +8977,7 @@
     </p:spTree>
     <p:extLst>
       <p:ext uri="{BB962C8B-B14F-4D97-AF65-F5344CB8AC3E}">
-        <p14:creationId xmlns:p14="http://schemas.microsoft.com/office/powerpoint/2010/main" val="4137103019"/>
+        <p14:creationId xmlns:p14="http://schemas.microsoft.com/office/powerpoint/2010/main" val="245640965"/>
       </p:ext>
     </p:extLst>
   </p:cSld>
@@ -7921,7 +9030,7 @@
           <a:p>
             <a:r>
               <a:rPr lang="zh-CN" altLang="en-US" b="1" dirty="0" smtClean="0"/>
-              <a:t>主事件流</a:t>
+              <a:t>前置条件和后置条件</a:t>
             </a:r>
             <a:endParaRPr lang="zh-CN" altLang="en-US" dirty="0" smtClean="0"/>
           </a:p>
@@ -7954,19 +9063,25 @@
             </a:pPr>
             <a:r>
               <a:rPr lang="zh-CN" altLang="en-US" b="1" dirty="0" smtClean="0"/>
-              <a:t>用例要达到目标需要经过的一系列主要活动。是主要的，基本的，典型的</a:t>
-            </a:r>
-            <a:r>
-              <a:rPr lang="zh-CN" altLang="en-US" b="1" dirty="0" smtClean="0">
-                <a:solidFill>
-                  <a:srgbClr val="FF0000"/>
-                </a:solidFill>
-              </a:rPr>
-              <a:t>成功路径</a:t>
-            </a:r>
+              <a:t>前置条件：</a:t>
+            </a:r>
+            <a:r>
+              <a:rPr lang="en-US" altLang="zh-CN" b="1" dirty="0" smtClean="0"/>
+              <a:t>pre-condition</a:t>
+            </a:r>
+          </a:p>
+          <a:p>
+            <a:pPr lvl="1">
+              <a:lnSpc>
+                <a:spcPct val="120000"/>
+              </a:lnSpc>
+              <a:spcBef>
+                <a:spcPts val="0"/>
+              </a:spcBef>
+            </a:pPr>
             <a:r>
               <a:rPr lang="zh-CN" altLang="en-US" b="1" dirty="0" smtClean="0"/>
-              <a:t>。</a:t>
+              <a:t>用例开始前的必备条件</a:t>
             </a:r>
             <a:endParaRPr lang="en-US" altLang="zh-CN" b="1" dirty="0" smtClean="0"/>
           </a:p>
@@ -7981,12 +9096,15 @@
             </a:pPr>
             <a:r>
               <a:rPr lang="zh-CN" altLang="en-US" b="1" dirty="0" smtClean="0"/>
-              <a:t>通常只包括主流路径，不包括异常处理的分支路径。</a:t>
-            </a:r>
-            <a:endParaRPr lang="en-US" altLang="zh-CN" b="1" dirty="0" smtClean="0"/>
-          </a:p>
-          <a:p>
-            <a:pPr>
+              <a:t>后置条件</a:t>
+            </a:r>
+            <a:r>
+              <a:rPr lang="en-US" altLang="zh-CN" b="1" dirty="0" smtClean="0"/>
+              <a:t>: guarantee</a:t>
+            </a:r>
+          </a:p>
+          <a:p>
+            <a:pPr lvl="1">
               <a:lnSpc>
                 <a:spcPct val="120000"/>
               </a:lnSpc>
@@ -7995,16 +9113,23 @@
               </a:spcBef>
             </a:pPr>
             <a:r>
-              <a:rPr lang="zh-CN" altLang="en-US" b="1" dirty="0"/>
-              <a:t>见</a:t>
-            </a:r>
-            <a:r>
               <a:rPr lang="zh-CN" altLang="en-US" b="1" dirty="0" smtClean="0"/>
-              <a:t>表</a:t>
-            </a:r>
-            <a:r>
-              <a:rPr lang="en-US" altLang="zh-CN" b="1" dirty="0" smtClean="0"/>
-              <a:t>7.1</a:t>
+              <a:t>用例结束时，系统应保证的结果条件。</a:t>
+            </a:r>
+            <a:endParaRPr lang="en-US" altLang="zh-CN" b="1" dirty="0" smtClean="0"/>
+          </a:p>
+          <a:p>
+            <a:pPr lvl="1">
+              <a:lnSpc>
+                <a:spcPct val="120000"/>
+              </a:lnSpc>
+              <a:spcBef>
+                <a:spcPts val="0"/>
+              </a:spcBef>
+            </a:pPr>
+            <a:r>
+              <a:rPr lang="zh-CN" altLang="en-US" b="1" dirty="0" smtClean="0"/>
+              <a:t>例如，明细记录输入后往往需要自动统计功能。</a:t>
             </a:r>
             <a:endParaRPr lang="zh-CN" altLang="en-US" dirty="0" smtClean="0"/>
           </a:p>
@@ -8013,7 +9138,7 @@
     </p:spTree>
     <p:extLst>
       <p:ext uri="{BB962C8B-B14F-4D97-AF65-F5344CB8AC3E}">
-        <p14:creationId xmlns:p14="http://schemas.microsoft.com/office/powerpoint/2010/main" val="1986465253"/>
+        <p14:creationId xmlns:p14="http://schemas.microsoft.com/office/powerpoint/2010/main" val="4137103019"/>
       </p:ext>
     </p:extLst>
   </p:cSld>
@@ -8065,12 +9190,8 @@
           <a:lstStyle/>
           <a:p>
             <a:r>
-              <a:rPr lang="zh-CN" altLang="en-US" b="1" dirty="0"/>
-              <a:t>备选</a:t>
-            </a:r>
-            <a:r>
               <a:rPr lang="zh-CN" altLang="en-US" b="1" dirty="0" smtClean="0"/>
-              <a:t>事件流</a:t>
+              <a:t>主事件流</a:t>
             </a:r>
             <a:endParaRPr lang="zh-CN" altLang="en-US" dirty="0" smtClean="0"/>
           </a:p>
@@ -8089,7 +9210,7 @@
         <p:spPr/>
         <p:txBody>
           <a:bodyPr>
-            <a:normAutofit lnSpcReduction="10000"/>
+            <a:normAutofit/>
           </a:bodyPr>
           <a:lstStyle/>
           <a:p>
@@ -8103,7 +9224,19 @@
             </a:pPr>
             <a:r>
               <a:rPr lang="zh-CN" altLang="en-US" b="1" dirty="0" smtClean="0"/>
-              <a:t>系统总会有一些可能引起失败或者异常的情况要处理</a:t>
+              <a:t>用例要达到目标需要经过的一系列主要活动。是主要的，基本的，典型的</a:t>
+            </a:r>
+            <a:r>
+              <a:rPr lang="zh-CN" altLang="en-US" b="1" dirty="0" smtClean="0">
+                <a:solidFill>
+                  <a:srgbClr val="FF0000"/>
+                </a:solidFill>
+              </a:rPr>
+              <a:t>成功路径</a:t>
+            </a:r>
+            <a:r>
+              <a:rPr lang="zh-CN" altLang="en-US" b="1" dirty="0" smtClean="0"/>
+              <a:t>。</a:t>
             </a:r>
             <a:endParaRPr lang="en-US" altLang="zh-CN" b="1" dirty="0" smtClean="0"/>
           </a:p>
@@ -8118,7 +9251,7 @@
             </a:pPr>
             <a:r>
               <a:rPr lang="zh-CN" altLang="en-US" b="1" dirty="0" smtClean="0"/>
-              <a:t>为了不影响主事件流的描述，不影响用例活动清晰的主线，将这些分支处理抽取出来作为备选事件流。</a:t>
+              <a:t>通常只包括主流路径，不包括异常处理的分支路径。</a:t>
             </a:r>
             <a:endParaRPr lang="en-US" altLang="zh-CN" b="1" dirty="0" smtClean="0"/>
           </a:p>
@@ -8132,27 +9265,16 @@
               </a:spcBef>
             </a:pPr>
             <a:r>
+              <a:rPr lang="zh-CN" altLang="en-US" b="1" dirty="0"/>
+              <a:t>见</a:t>
+            </a:r>
+            <a:r>
               <a:rPr lang="zh-CN" altLang="en-US" b="1" dirty="0" smtClean="0"/>
-              <a:t>备选事件流的编号规则要遵从主事件流的步骤编号。</a:t>
-            </a:r>
-            <a:endParaRPr lang="en-US" altLang="zh-CN" b="1" dirty="0" smtClean="0"/>
-          </a:p>
-          <a:p>
-            <a:pPr>
-              <a:lnSpc>
-                <a:spcPct val="120000"/>
-              </a:lnSpc>
-              <a:spcBef>
-                <a:spcPts val="0"/>
-              </a:spcBef>
-            </a:pPr>
-            <a:r>
-              <a:rPr lang="zh-CN" altLang="en-US" b="1" dirty="0" smtClean="0"/>
-              <a:t>见表</a:t>
+              <a:t>表</a:t>
             </a:r>
             <a:r>
               <a:rPr lang="en-US" altLang="zh-CN" b="1" dirty="0" smtClean="0"/>
-              <a:t>7.2</a:t>
+              <a:t>7.1</a:t>
             </a:r>
             <a:endParaRPr lang="zh-CN" altLang="en-US" dirty="0" smtClean="0"/>
           </a:p>
@@ -8161,7 +9283,7 @@
     </p:spTree>
     <p:extLst>
       <p:ext uri="{BB962C8B-B14F-4D97-AF65-F5344CB8AC3E}">
-        <p14:creationId xmlns:p14="http://schemas.microsoft.com/office/powerpoint/2010/main" val="2895185989"/>
+        <p14:creationId xmlns:p14="http://schemas.microsoft.com/office/powerpoint/2010/main" val="1986465253"/>
       </p:ext>
     </p:extLst>
   </p:cSld>
@@ -8213,8 +9335,12 @@
           <a:lstStyle/>
           <a:p>
             <a:r>
+              <a:rPr lang="zh-CN" altLang="en-US" b="1" dirty="0"/>
+              <a:t>备选</a:t>
+            </a:r>
+            <a:r>
               <a:rPr lang="zh-CN" altLang="en-US" b="1" dirty="0" smtClean="0"/>
-              <a:t>事件流的书写规则</a:t>
+              <a:t>事件流</a:t>
             </a:r>
             <a:endParaRPr lang="zh-CN" altLang="en-US" dirty="0" smtClean="0"/>
           </a:p>
@@ -8233,7 +9359,7 @@
         <p:spPr/>
         <p:txBody>
           <a:bodyPr>
-            <a:normAutofit/>
+            <a:normAutofit lnSpcReduction="10000"/>
           </a:bodyPr>
           <a:lstStyle/>
           <a:p>
@@ -8246,10 +9372,10 @@
               </a:spcBef>
             </a:pPr>
             <a:r>
-              <a:rPr lang="zh-CN" altLang="en-US" dirty="0" smtClean="0"/>
-              <a:t>简明</a:t>
-            </a:r>
-            <a:endParaRPr lang="en-US" altLang="zh-CN" dirty="0" smtClean="0"/>
+              <a:rPr lang="zh-CN" altLang="en-US" b="1" dirty="0" smtClean="0"/>
+              <a:t>系统总会有一些可能引起失败或者异常的情况要处理</a:t>
+            </a:r>
+            <a:endParaRPr lang="en-US" altLang="zh-CN" b="1" dirty="0" smtClean="0"/>
           </a:p>
           <a:p>
             <a:pPr>
@@ -8261,10 +9387,10 @@
               </a:spcBef>
             </a:pPr>
             <a:r>
-              <a:rPr lang="zh-CN" altLang="en-US" dirty="0" smtClean="0"/>
-              <a:t>使用主动语态</a:t>
-            </a:r>
-            <a:endParaRPr lang="en-US" altLang="zh-CN" dirty="0" smtClean="0"/>
+              <a:rPr lang="zh-CN" altLang="en-US" b="1" dirty="0" smtClean="0"/>
+              <a:t>为了不影响主事件流的描述，不影响用例活动清晰的主线，将这些分支处理抽取出来作为备选事件流。</a:t>
+            </a:r>
+            <a:endParaRPr lang="en-US" altLang="zh-CN" b="1" dirty="0" smtClean="0"/>
           </a:p>
           <a:p>
             <a:pPr>
@@ -8276,10 +9402,10 @@
               </a:spcBef>
             </a:pPr>
             <a:r>
-              <a:rPr lang="zh-CN" altLang="en-US" dirty="0" smtClean="0"/>
-              <a:t>从第三者的角度写参与者的动作</a:t>
-            </a:r>
-            <a:endParaRPr lang="en-US" altLang="zh-CN" dirty="0" smtClean="0"/>
+              <a:rPr lang="zh-CN" altLang="en-US" b="1" dirty="0" smtClean="0"/>
+              <a:t>备选事件流的编号规则要遵从主事件流的步骤编号。</a:t>
+            </a:r>
+            <a:endParaRPr lang="en-US" altLang="zh-CN" b="1" dirty="0" smtClean="0"/>
           </a:p>
           <a:p>
             <a:pPr>
@@ -8291,39 +9417,12 @@
               </a:spcBef>
             </a:pPr>
             <a:r>
-              <a:rPr lang="zh-CN" altLang="en-US" dirty="0" smtClean="0"/>
-              <a:t>描述用户的意图和系统的职责，不关注界面和细则。</a:t>
-            </a:r>
-            <a:endParaRPr lang="en-US" altLang="zh-CN" dirty="0" smtClean="0"/>
-          </a:p>
-          <a:p>
-            <a:pPr>
-              <a:lnSpc>
-                <a:spcPct val="120000"/>
-              </a:lnSpc>
-              <a:spcBef>
-                <a:spcPts val="0"/>
-              </a:spcBef>
-            </a:pPr>
-            <a:r>
-              <a:rPr lang="zh-CN" altLang="en-US" dirty="0" smtClean="0"/>
-              <a:t>主事件流使用</a:t>
-            </a:r>
-            <a:r>
-              <a:rPr lang="en-US" altLang="zh-CN" dirty="0" smtClean="0"/>
-              <a:t>”</a:t>
-            </a:r>
-            <a:r>
-              <a:rPr lang="zh-CN" altLang="en-US" dirty="0" smtClean="0"/>
-              <a:t>确认</a:t>
-            </a:r>
-            <a:r>
-              <a:rPr lang="en-US" altLang="zh-CN" dirty="0" smtClean="0"/>
-              <a:t>”</a:t>
-            </a:r>
-            <a:r>
-              <a:rPr lang="zh-CN" altLang="en-US" dirty="0" smtClean="0"/>
-              <a:t>，“验证”等积极词汇。</a:t>
+              <a:rPr lang="zh-CN" altLang="en-US" b="1" dirty="0" smtClean="0"/>
+              <a:t>见表</a:t>
+            </a:r>
+            <a:r>
+              <a:rPr lang="en-US" altLang="zh-CN" b="1" dirty="0" smtClean="0"/>
+              <a:t>7.2</a:t>
             </a:r>
             <a:endParaRPr lang="zh-CN" altLang="en-US" dirty="0" smtClean="0"/>
           </a:p>
@@ -8332,7 +9431,7 @@
     </p:spTree>
     <p:extLst>
       <p:ext uri="{BB962C8B-B14F-4D97-AF65-F5344CB8AC3E}">
-        <p14:creationId xmlns:p14="http://schemas.microsoft.com/office/powerpoint/2010/main" val="1784833127"/>
+        <p14:creationId xmlns:p14="http://schemas.microsoft.com/office/powerpoint/2010/main" val="2895185989"/>
       </p:ext>
     </p:extLst>
   </p:cSld>
@@ -8385,7 +9484,7 @@
           <a:p>
             <a:r>
               <a:rPr lang="zh-CN" altLang="en-US" b="1" dirty="0" smtClean="0"/>
-              <a:t>非功能性需求</a:t>
+              <a:t>事件流的书写规则</a:t>
             </a:r>
             <a:endParaRPr lang="zh-CN" altLang="en-US" dirty="0" smtClean="0"/>
           </a:p>
@@ -8418,54 +9517,9 @@
             </a:pPr>
             <a:r>
               <a:rPr lang="zh-CN" altLang="en-US" dirty="0" smtClean="0"/>
-              <a:t>往往有一些与用例有关的非功能性需求，比如：</a:t>
+              <a:t>简明</a:t>
             </a:r>
             <a:endParaRPr lang="en-US" altLang="zh-CN" dirty="0" smtClean="0"/>
-          </a:p>
-          <a:p>
-            <a:pPr lvl="1">
-              <a:lnSpc>
-                <a:spcPct val="120000"/>
-              </a:lnSpc>
-              <a:spcBef>
-                <a:spcPts val="0"/>
-              </a:spcBef>
-            </a:pPr>
-            <a:r>
-              <a:rPr lang="zh-CN" altLang="en-US" dirty="0" smtClean="0"/>
-              <a:t>业务规则</a:t>
-            </a:r>
-            <a:endParaRPr lang="en-US" altLang="zh-CN" dirty="0" smtClean="0"/>
-          </a:p>
-          <a:p>
-            <a:pPr lvl="1">
-              <a:lnSpc>
-                <a:spcPct val="120000"/>
-              </a:lnSpc>
-              <a:spcBef>
-                <a:spcPts val="0"/>
-              </a:spcBef>
-            </a:pPr>
-            <a:r>
-              <a:rPr lang="zh-CN" altLang="en-US" dirty="0" smtClean="0"/>
-              <a:t>质量属性</a:t>
-            </a:r>
-            <a:endParaRPr lang="en-US" altLang="zh-CN" dirty="0" smtClean="0"/>
-          </a:p>
-          <a:p>
-            <a:pPr lvl="1">
-              <a:lnSpc>
-                <a:spcPct val="120000"/>
-              </a:lnSpc>
-              <a:spcBef>
-                <a:spcPts val="0"/>
-              </a:spcBef>
-            </a:pPr>
-            <a:r>
-              <a:rPr lang="zh-CN" altLang="en-US" dirty="0" smtClean="0"/>
-              <a:t>结束条件</a:t>
-            </a:r>
-            <a:endParaRPr lang="en-US" altLang="zh-CN" dirty="0"/>
           </a:p>
           <a:p>
             <a:pPr>
@@ -8478,11 +9532,68 @@
             </a:pPr>
             <a:r>
               <a:rPr lang="zh-CN" altLang="en-US" dirty="0" smtClean="0"/>
-              <a:t>需要将非功能性需求与用例事件流记录在一起。见表</a:t>
+              <a:t>使用主动语态</a:t>
+            </a:r>
+            <a:endParaRPr lang="en-US" altLang="zh-CN" dirty="0" smtClean="0"/>
+          </a:p>
+          <a:p>
+            <a:pPr>
+              <a:lnSpc>
+                <a:spcPct val="120000"/>
+              </a:lnSpc>
+              <a:spcBef>
+                <a:spcPts val="0"/>
+              </a:spcBef>
+            </a:pPr>
+            <a:r>
+              <a:rPr lang="zh-CN" altLang="en-US" dirty="0" smtClean="0"/>
+              <a:t>从第三者的角度写参与者的动作</a:t>
+            </a:r>
+            <a:endParaRPr lang="en-US" altLang="zh-CN" dirty="0" smtClean="0"/>
+          </a:p>
+          <a:p>
+            <a:pPr>
+              <a:lnSpc>
+                <a:spcPct val="120000"/>
+              </a:lnSpc>
+              <a:spcBef>
+                <a:spcPts val="0"/>
+              </a:spcBef>
+            </a:pPr>
+            <a:r>
+              <a:rPr lang="zh-CN" altLang="en-US" dirty="0" smtClean="0"/>
+              <a:t>描述用户的意图和系统的职责，不关注界面和细则。</a:t>
+            </a:r>
+            <a:endParaRPr lang="en-US" altLang="zh-CN" dirty="0" smtClean="0"/>
+          </a:p>
+          <a:p>
+            <a:pPr>
+              <a:lnSpc>
+                <a:spcPct val="120000"/>
+              </a:lnSpc>
+              <a:spcBef>
+                <a:spcPts val="0"/>
+              </a:spcBef>
+            </a:pPr>
+            <a:r>
+              <a:rPr lang="zh-CN" altLang="en-US" dirty="0" smtClean="0"/>
+              <a:t>主事件流使用</a:t>
             </a:r>
             <a:r>
               <a:rPr lang="en-US" altLang="zh-CN" dirty="0" smtClean="0"/>
-              <a:t>7.5</a:t>
+              <a:t>”</a:t>
+            </a:r>
+            <a:r>
+              <a:rPr lang="zh-CN" altLang="en-US" dirty="0" smtClean="0"/>
+              <a:t>确认</a:t>
+            </a:r>
+            <a:r>
+              <a:rPr lang="en-US" altLang="zh-CN" dirty="0" smtClean="0"/>
+              <a:t>”</a:t>
+            </a:r>
+            <a:r>
+              <a:rPr lang="zh-CN" altLang="en-US" dirty="0" smtClean="0"/>
+              <a:t>，“验证”等积极词汇。</a:t>
             </a:r>
           </a:p>
         </p:txBody>
@@ -8490,7 +9601,7 @@
     </p:spTree>
     <p:extLst>
       <p:ext uri="{BB962C8B-B14F-4D97-AF65-F5344CB8AC3E}">
-        <p14:creationId xmlns:p14="http://schemas.microsoft.com/office/powerpoint/2010/main" val="1130687266"/>
+        <p14:creationId xmlns:p14="http://schemas.microsoft.com/office/powerpoint/2010/main" val="1784833127"/>
       </p:ext>
     </p:extLst>
   </p:cSld>
@@ -8542,12 +9653,8 @@
           <a:lstStyle/>
           <a:p>
             <a:r>
-              <a:rPr lang="en-US" altLang="zh-CN" dirty="0" smtClean="0"/>
-              <a:t>7.3 </a:t>
-            </a:r>
-            <a:r>
-              <a:rPr lang="zh-CN" altLang="en-US" dirty="0" smtClean="0"/>
-              <a:t>建立用例的关系</a:t>
+              <a:rPr lang="zh-CN" altLang="en-US" b="1" dirty="0" smtClean="0"/>
+              <a:t>非功能性需求</a:t>
             </a:r>
             <a:endParaRPr lang="zh-CN" altLang="en-US" dirty="0" smtClean="0"/>
           </a:p>
@@ -8580,12 +9687,9 @@
             </a:pPr>
             <a:r>
               <a:rPr lang="zh-CN" altLang="en-US" dirty="0" smtClean="0"/>
-              <a:t>包含关系</a:t>
-            </a:r>
-            <a:r>
-              <a:rPr lang="en-US" altLang="zh-CN" dirty="0" smtClean="0"/>
-              <a:t>(include)</a:t>
-            </a:r>
+              <a:t>往往有一些与用例有关的非功能性需求，比如：</a:t>
+            </a:r>
+            <a:endParaRPr lang="en-US" altLang="zh-CN" dirty="0" smtClean="0"/>
           </a:p>
           <a:p>
             <a:pPr lvl="1">
@@ -8597,51 +9701,65 @@
               </a:spcBef>
             </a:pPr>
             <a:r>
-              <a:rPr lang="zh-CN" altLang="en-US" dirty="0">
-                <a:latin typeface="楷体" panose="02010609060101010101" pitchFamily="49" charset="-122"/>
-                <a:ea typeface="楷体" panose="02010609060101010101" pitchFamily="49" charset="-122"/>
-              </a:rPr>
-              <a:t>一个用例可以简单地包含其他用例具有的行为，并把它所</a:t>
-            </a:r>
-            <a:r>
-              <a:rPr lang="zh-CN" altLang="en-US" dirty="0" smtClean="0">
-                <a:latin typeface="楷体" panose="02010609060101010101" pitchFamily="49" charset="-122"/>
-                <a:ea typeface="楷体" panose="02010609060101010101" pitchFamily="49" charset="-122"/>
-              </a:rPr>
-              <a:t>包含的</a:t>
-            </a:r>
-            <a:r>
-              <a:rPr lang="zh-CN" altLang="en-US" dirty="0">
-                <a:latin typeface="楷体" panose="02010609060101010101" pitchFamily="49" charset="-122"/>
-                <a:ea typeface="楷体" panose="02010609060101010101" pitchFamily="49" charset="-122"/>
-              </a:rPr>
-              <a:t>用例行为</a:t>
-            </a:r>
-            <a:r>
-              <a:rPr lang="zh-CN" altLang="en-US" dirty="0" smtClean="0">
-                <a:latin typeface="楷体" panose="02010609060101010101" pitchFamily="49" charset="-122"/>
-                <a:ea typeface="楷体" panose="02010609060101010101" pitchFamily="49" charset="-122"/>
-              </a:rPr>
-              <a:t>作为自身</a:t>
-            </a:r>
-            <a:r>
-              <a:rPr lang="zh-CN" altLang="en-US" dirty="0">
-                <a:latin typeface="楷体" panose="02010609060101010101" pitchFamily="49" charset="-122"/>
-                <a:ea typeface="楷体" panose="02010609060101010101" pitchFamily="49" charset="-122"/>
-              </a:rPr>
-              <a:t>行为的一部分。</a:t>
-            </a:r>
-            <a:endParaRPr lang="en-US" altLang="zh-CN" dirty="0" smtClean="0">
-              <a:latin typeface="楷体" panose="02010609060101010101" pitchFamily="49" charset="-122"/>
-              <a:ea typeface="楷体" panose="02010609060101010101" pitchFamily="49" charset="-122"/>
-            </a:endParaRPr>
+              <a:rPr lang="zh-CN" altLang="en-US" dirty="0" smtClean="0"/>
+              <a:t>业务规则</a:t>
+            </a:r>
+            <a:endParaRPr lang="en-US" altLang="zh-CN" dirty="0" smtClean="0"/>
+          </a:p>
+          <a:p>
+            <a:pPr lvl="1">
+              <a:lnSpc>
+                <a:spcPct val="120000"/>
+              </a:lnSpc>
+              <a:spcBef>
+                <a:spcPts val="0"/>
+              </a:spcBef>
+            </a:pPr>
+            <a:r>
+              <a:rPr lang="zh-CN" altLang="en-US" dirty="0" smtClean="0"/>
+              <a:t>质量属性</a:t>
+            </a:r>
+            <a:endParaRPr lang="en-US" altLang="zh-CN" dirty="0" smtClean="0"/>
+          </a:p>
+          <a:p>
+            <a:pPr lvl="1">
+              <a:lnSpc>
+                <a:spcPct val="120000"/>
+              </a:lnSpc>
+              <a:spcBef>
+                <a:spcPts val="0"/>
+              </a:spcBef>
+            </a:pPr>
+            <a:r>
+              <a:rPr lang="zh-CN" altLang="en-US" dirty="0" smtClean="0"/>
+              <a:t>结束条件</a:t>
+            </a:r>
+            <a:endParaRPr lang="en-US" altLang="zh-CN" dirty="0"/>
+          </a:p>
+          <a:p>
+            <a:pPr>
+              <a:lnSpc>
+                <a:spcPct val="120000"/>
+              </a:lnSpc>
+              <a:spcBef>
+                <a:spcPts val="0"/>
+              </a:spcBef>
+            </a:pPr>
+            <a:r>
+              <a:rPr lang="zh-CN" altLang="en-US" dirty="0" smtClean="0"/>
+              <a:t>需要将非功能性需求与用例事件流记录在一起。见表</a:t>
+            </a:r>
+            <a:r>
+              <a:rPr lang="en-US" altLang="zh-CN" dirty="0" smtClean="0"/>
+              <a:t>7.5</a:t>
+            </a:r>
           </a:p>
         </p:txBody>
       </p:sp>
     </p:spTree>
     <p:extLst>
       <p:ext uri="{BB962C8B-B14F-4D97-AF65-F5344CB8AC3E}">
-        <p14:creationId xmlns:p14="http://schemas.microsoft.com/office/powerpoint/2010/main" val="2888051696"/>
+        <p14:creationId xmlns:p14="http://schemas.microsoft.com/office/powerpoint/2010/main" val="1130687266"/>
       </p:ext>
     </p:extLst>
   </p:cSld>
@@ -8700,7 +9818,156 @@
               <a:rPr lang="zh-CN" altLang="en-US" dirty="0" smtClean="0"/>
               <a:t>建立用例的关系</a:t>
             </a:r>
-            <a:endParaRPr lang="zh-CN" altLang="en-US" dirty="0" smtClean="0"/>
+          </a:p>
+        </p:txBody>
+      </p:sp>
+      <p:sp>
+        <p:nvSpPr>
+          <p:cNvPr id="5123" name="Rectangle 3"/>
+          <p:cNvSpPr>
+            <a:spLocks noGrp="1" noChangeArrowheads="1"/>
+          </p:cNvSpPr>
+          <p:nvPr>
+            <p:ph type="body" idx="1"/>
+          </p:nvPr>
+        </p:nvSpPr>
+        <p:spPr/>
+        <p:txBody>
+          <a:bodyPr>
+            <a:normAutofit/>
+          </a:bodyPr>
+          <a:lstStyle/>
+          <a:p>
+            <a:pPr>
+              <a:lnSpc>
+                <a:spcPct val="120000"/>
+              </a:lnSpc>
+              <a:spcBef>
+                <a:spcPts val="0"/>
+              </a:spcBef>
+            </a:pPr>
+            <a:r>
+              <a:rPr lang="zh-CN" altLang="en-US" dirty="0" smtClean="0"/>
+              <a:t>包含关系</a:t>
+            </a:r>
+            <a:r>
+              <a:rPr lang="en-US" altLang="zh-CN" dirty="0" smtClean="0"/>
+              <a:t>(include)</a:t>
+            </a:r>
+          </a:p>
+          <a:p>
+            <a:pPr lvl="1">
+              <a:lnSpc>
+                <a:spcPct val="120000"/>
+              </a:lnSpc>
+              <a:spcBef>
+                <a:spcPts val="0"/>
+              </a:spcBef>
+            </a:pPr>
+            <a:r>
+              <a:rPr lang="zh-CN" altLang="en-US" dirty="0">
+                <a:latin typeface="楷体" panose="02010609060101010101" pitchFamily="49" charset="-122"/>
+                <a:ea typeface="楷体" panose="02010609060101010101" pitchFamily="49" charset="-122"/>
+              </a:rPr>
+              <a:t>一个用例可以简单地包含其他用例具有的行为，并把它所</a:t>
+            </a:r>
+            <a:r>
+              <a:rPr lang="zh-CN" altLang="en-US" dirty="0" smtClean="0">
+                <a:latin typeface="楷体" panose="02010609060101010101" pitchFamily="49" charset="-122"/>
+                <a:ea typeface="楷体" panose="02010609060101010101" pitchFamily="49" charset="-122"/>
+              </a:rPr>
+              <a:t>包含的</a:t>
+            </a:r>
+            <a:r>
+              <a:rPr lang="zh-CN" altLang="en-US" dirty="0">
+                <a:latin typeface="楷体" panose="02010609060101010101" pitchFamily="49" charset="-122"/>
+                <a:ea typeface="楷体" panose="02010609060101010101" pitchFamily="49" charset="-122"/>
+              </a:rPr>
+              <a:t>用例行为</a:t>
+            </a:r>
+            <a:r>
+              <a:rPr lang="zh-CN" altLang="en-US" dirty="0" smtClean="0">
+                <a:latin typeface="楷体" panose="02010609060101010101" pitchFamily="49" charset="-122"/>
+                <a:ea typeface="楷体" panose="02010609060101010101" pitchFamily="49" charset="-122"/>
+              </a:rPr>
+              <a:t>作为自身</a:t>
+            </a:r>
+            <a:r>
+              <a:rPr lang="zh-CN" altLang="en-US" dirty="0">
+                <a:latin typeface="楷体" panose="02010609060101010101" pitchFamily="49" charset="-122"/>
+                <a:ea typeface="楷体" panose="02010609060101010101" pitchFamily="49" charset="-122"/>
+              </a:rPr>
+              <a:t>行为的一部分。</a:t>
+            </a:r>
+            <a:endParaRPr lang="en-US" altLang="zh-CN" dirty="0" smtClean="0">
+              <a:latin typeface="楷体" panose="02010609060101010101" pitchFamily="49" charset="-122"/>
+              <a:ea typeface="楷体" panose="02010609060101010101" pitchFamily="49" charset="-122"/>
+            </a:endParaRPr>
+          </a:p>
+        </p:txBody>
+      </p:sp>
+    </p:spTree>
+    <p:extLst>
+      <p:ext uri="{BB962C8B-B14F-4D97-AF65-F5344CB8AC3E}">
+        <p14:creationId xmlns:p14="http://schemas.microsoft.com/office/powerpoint/2010/main" val="2888051696"/>
+      </p:ext>
+    </p:extLst>
+  </p:cSld>
+  <p:clrMapOvr>
+    <a:masterClrMapping/>
+  </p:clrMapOvr>
+  <p:timing>
+    <p:tnLst>
+      <p:par>
+        <p:cTn id="1" dur="indefinite" restart="never" nodeType="tmRoot"/>
+      </p:par>
+    </p:tnLst>
+  </p:timing>
+</p:sld>
+</file>
+
+<file path=ppt/slides/slide19.xml><?xml version="1.0" encoding="utf-8"?>
+<p:sld xmlns:a="http://schemas.openxmlformats.org/drawingml/2006/main" xmlns:r="http://schemas.openxmlformats.org/officeDocument/2006/relationships" xmlns:p="http://schemas.openxmlformats.org/presentationml/2006/main">
+  <p:cSld>
+    <p:spTree>
+      <p:nvGrpSpPr>
+        <p:cNvPr id="1" name=""/>
+        <p:cNvGrpSpPr/>
+        <p:nvPr/>
+      </p:nvGrpSpPr>
+      <p:grpSpPr>
+        <a:xfrm>
+          <a:off x="0" y="0"/>
+          <a:ext cx="0" cy="0"/>
+          <a:chOff x="0" y="0"/>
+          <a:chExt cx="0" cy="0"/>
+        </a:xfrm>
+      </p:grpSpPr>
+      <p:sp>
+        <p:nvSpPr>
+          <p:cNvPr id="5122" name="Rectangle 2"/>
+          <p:cNvSpPr>
+            <a:spLocks noGrp="1" noChangeArrowheads="1"/>
+          </p:cNvSpPr>
+          <p:nvPr>
+            <p:ph type="title"/>
+          </p:nvPr>
+        </p:nvSpPr>
+        <p:spPr/>
+        <p:txBody>
+          <a:bodyPr>
+            <a:normAutofit/>
+          </a:bodyPr>
+          <a:lstStyle/>
+          <a:p>
+            <a:r>
+              <a:rPr lang="en-US" altLang="zh-CN" dirty="0" smtClean="0"/>
+              <a:t>7.3 </a:t>
+            </a:r>
+            <a:r>
+              <a:rPr lang="zh-CN" altLang="en-US" dirty="0" smtClean="0"/>
+              <a:t>建立用例的关系</a:t>
+            </a:r>
           </a:p>
         </p:txBody>
       </p:sp>
@@ -9273,208 +10540,6 @@
 </p:sld>
 </file>
 
-<file path=ppt/slides/slide19.xml><?xml version="1.0" encoding="utf-8"?>
-<p:sld xmlns:a="http://schemas.openxmlformats.org/drawingml/2006/main" xmlns:r="http://schemas.openxmlformats.org/officeDocument/2006/relationships" xmlns:p="http://schemas.openxmlformats.org/presentationml/2006/main">
-  <p:cSld>
-    <p:spTree>
-      <p:nvGrpSpPr>
-        <p:cNvPr id="1" name=""/>
-        <p:cNvGrpSpPr/>
-        <p:nvPr/>
-      </p:nvGrpSpPr>
-      <p:grpSpPr>
-        <a:xfrm>
-          <a:off x="0" y="0"/>
-          <a:ext cx="0" cy="0"/>
-          <a:chOff x="0" y="0"/>
-          <a:chExt cx="0" cy="0"/>
-        </a:xfrm>
-      </p:grpSpPr>
-      <p:sp>
-        <p:nvSpPr>
-          <p:cNvPr id="5122" name="Rectangle 2"/>
-          <p:cNvSpPr>
-            <a:spLocks noGrp="1" noChangeArrowheads="1"/>
-          </p:cNvSpPr>
-          <p:nvPr>
-            <p:ph type="title"/>
-          </p:nvPr>
-        </p:nvSpPr>
-        <p:spPr/>
-        <p:txBody>
-          <a:bodyPr>
-            <a:normAutofit/>
-          </a:bodyPr>
-          <a:lstStyle/>
-          <a:p>
-            <a:r>
-              <a:rPr lang="en-US" altLang="zh-CN" dirty="0" smtClean="0"/>
-              <a:t>7.3 </a:t>
-            </a:r>
-            <a:r>
-              <a:rPr lang="zh-CN" altLang="en-US" dirty="0" smtClean="0"/>
-              <a:t>建立用例的关系</a:t>
-            </a:r>
-            <a:endParaRPr lang="zh-CN" altLang="en-US" dirty="0" smtClean="0"/>
-          </a:p>
-        </p:txBody>
-      </p:sp>
-      <p:sp>
-        <p:nvSpPr>
-          <p:cNvPr id="5123" name="Rectangle 3"/>
-          <p:cNvSpPr>
-            <a:spLocks noGrp="1" noChangeArrowheads="1"/>
-          </p:cNvSpPr>
-          <p:nvPr>
-            <p:ph type="body" idx="1"/>
-          </p:nvPr>
-        </p:nvSpPr>
-        <p:spPr/>
-        <p:txBody>
-          <a:bodyPr>
-            <a:normAutofit/>
-          </a:bodyPr>
-          <a:lstStyle/>
-          <a:p>
-            <a:pPr>
-              <a:lnSpc>
-                <a:spcPct val="120000"/>
-              </a:lnSpc>
-              <a:spcBef>
-                <a:spcPts val="0"/>
-              </a:spcBef>
-            </a:pPr>
-            <a:r>
-              <a:rPr lang="zh-CN" altLang="en-US" dirty="0"/>
-              <a:t>扩展</a:t>
-            </a:r>
-            <a:r>
-              <a:rPr lang="zh-CN" altLang="en-US" dirty="0" smtClean="0"/>
-              <a:t>关系（</a:t>
-            </a:r>
-            <a:r>
-              <a:rPr lang="en-US" altLang="zh-CN" dirty="0" smtClean="0"/>
-              <a:t>extend</a:t>
-            </a:r>
-            <a:r>
-              <a:rPr lang="zh-CN" altLang="en-US" dirty="0" smtClean="0"/>
-              <a:t>）</a:t>
-            </a:r>
-            <a:endParaRPr lang="en-US" altLang="zh-CN" dirty="0" smtClean="0"/>
-          </a:p>
-          <a:p>
-            <a:pPr lvl="1">
-              <a:lnSpc>
-                <a:spcPct val="120000"/>
-              </a:lnSpc>
-              <a:spcBef>
-                <a:spcPts val="0"/>
-              </a:spcBef>
-            </a:pPr>
-            <a:r>
-              <a:rPr lang="zh-CN" altLang="en-US" dirty="0" smtClean="0">
-                <a:latin typeface="楷体" panose="02010609060101010101" pitchFamily="49" charset="-122"/>
-                <a:ea typeface="楷体" panose="02010609060101010101" pitchFamily="49" charset="-122"/>
-              </a:rPr>
-              <a:t>在特定的情况下，对基本用例的延伸。</a:t>
-            </a:r>
-            <a:endParaRPr lang="en-US" altLang="zh-CN" dirty="0" smtClean="0">
-              <a:latin typeface="楷体" panose="02010609060101010101" pitchFamily="49" charset="-122"/>
-              <a:ea typeface="楷体" panose="02010609060101010101" pitchFamily="49" charset="-122"/>
-            </a:endParaRPr>
-          </a:p>
-          <a:p>
-            <a:pPr lvl="1">
-              <a:lnSpc>
-                <a:spcPct val="120000"/>
-              </a:lnSpc>
-              <a:spcBef>
-                <a:spcPts val="0"/>
-              </a:spcBef>
-            </a:pPr>
-            <a:r>
-              <a:rPr lang="zh-CN" altLang="en-US" dirty="0" smtClean="0">
-                <a:latin typeface="楷体" panose="02010609060101010101" pitchFamily="49" charset="-122"/>
-                <a:ea typeface="楷体" panose="02010609060101010101" pitchFamily="49" charset="-122"/>
-              </a:rPr>
-              <a:t>一</a:t>
-            </a:r>
-            <a:r>
-              <a:rPr lang="zh-CN" altLang="en-US" dirty="0">
-                <a:latin typeface="楷体" panose="02010609060101010101" pitchFamily="49" charset="-122"/>
-                <a:ea typeface="楷体" panose="02010609060101010101" pitchFamily="49" charset="-122"/>
-              </a:rPr>
-              <a:t>个用例被定义为基础用例的</a:t>
-            </a:r>
-            <a:r>
-              <a:rPr lang="zh-CN" altLang="en-US" dirty="0" smtClean="0">
-                <a:latin typeface="楷体" panose="02010609060101010101" pitchFamily="49" charset="-122"/>
-                <a:ea typeface="楷体" panose="02010609060101010101" pitchFamily="49" charset="-122"/>
-              </a:rPr>
-              <a:t>增量扩展</a:t>
-            </a:r>
-            <a:r>
-              <a:rPr lang="zh-CN" altLang="en-US" dirty="0">
-                <a:latin typeface="楷体" panose="02010609060101010101" pitchFamily="49" charset="-122"/>
-                <a:ea typeface="楷体" panose="02010609060101010101" pitchFamily="49" charset="-122"/>
-              </a:rPr>
-              <a:t>，是把新的行为插入到已有的用例中的</a:t>
-            </a:r>
-            <a:r>
-              <a:rPr lang="zh-CN" altLang="en-US" dirty="0" smtClean="0">
-                <a:latin typeface="楷体" panose="02010609060101010101" pitchFamily="49" charset="-122"/>
-                <a:ea typeface="楷体" panose="02010609060101010101" pitchFamily="49" charset="-122"/>
-              </a:rPr>
-              <a:t>办法。</a:t>
-            </a:r>
-            <a:endParaRPr lang="en-US" altLang="zh-CN" dirty="0" smtClean="0">
-              <a:latin typeface="楷体" panose="02010609060101010101" pitchFamily="49" charset="-122"/>
-              <a:ea typeface="楷体" panose="02010609060101010101" pitchFamily="49" charset="-122"/>
-            </a:endParaRPr>
-          </a:p>
-          <a:p>
-            <a:pPr lvl="1">
-              <a:lnSpc>
-                <a:spcPct val="120000"/>
-              </a:lnSpc>
-              <a:spcBef>
-                <a:spcPts val="0"/>
-              </a:spcBef>
-            </a:pPr>
-            <a:r>
-              <a:rPr lang="zh-CN" altLang="en-US" dirty="0" smtClean="0">
-                <a:latin typeface="楷体" panose="02010609060101010101" pitchFamily="49" charset="-122"/>
-                <a:ea typeface="楷体" panose="02010609060101010101" pitchFamily="49" charset="-122"/>
-              </a:rPr>
-              <a:t>比如：“登记赔偿”用例是对“归还图书”用例的扩展。</a:t>
-            </a:r>
-            <a:endParaRPr lang="en-US" altLang="zh-CN" dirty="0" smtClean="0">
-              <a:latin typeface="楷体" panose="02010609060101010101" pitchFamily="49" charset="-122"/>
-              <a:ea typeface="楷体" panose="02010609060101010101" pitchFamily="49" charset="-122"/>
-            </a:endParaRPr>
-          </a:p>
-        </p:txBody>
-      </p:sp>
-    </p:spTree>
-    <p:extLst>
-      <p:ext uri="{BB962C8B-B14F-4D97-AF65-F5344CB8AC3E}">
-        <p14:creationId xmlns:p14="http://schemas.microsoft.com/office/powerpoint/2010/main" val="4119047143"/>
-      </p:ext>
-    </p:extLst>
-  </p:cSld>
-  <p:clrMapOvr>
-    <a:masterClrMapping/>
-  </p:clrMapOvr>
-  <p:timing>
-    <p:tnLst>
-      <p:par>
-        <p:cTn id="1" dur="indefinite" restart="never" nodeType="tmRoot"/>
-      </p:par>
-    </p:tnLst>
-  </p:timing>
-</p:sld>
-</file>
-
 <file path=ppt/slides/slide2.xml><?xml version="1.0" encoding="utf-8"?>
 <p:sld xmlns:a="http://schemas.openxmlformats.org/drawingml/2006/main" xmlns:r="http://schemas.openxmlformats.org/officeDocument/2006/relationships" xmlns:p="http://schemas.openxmlformats.org/presentationml/2006/main">
   <p:cSld>
@@ -9543,7 +10608,6 @@
               <a:rPr lang="zh-CN" altLang="en-US" dirty="0" smtClean="0"/>
               <a:t>基于用例的需求分析</a:t>
             </a:r>
-            <a:endParaRPr lang="zh-CN" altLang="en-US" dirty="0" smtClean="0"/>
           </a:p>
           <a:p>
             <a:pPr marL="609600" indent="-609600" eaLnBrk="1" hangingPunct="1"/>
@@ -9575,7 +10639,6 @@
               <a:rPr lang="zh-CN" altLang="en-US" dirty="0" smtClean="0"/>
               <a:t>建立用例的关系</a:t>
             </a:r>
-            <a:endParaRPr lang="zh-CN" altLang="en-US" dirty="0" smtClean="0"/>
           </a:p>
         </p:txBody>
       </p:sp>
@@ -9641,7 +10704,207 @@
               <a:rPr lang="zh-CN" altLang="en-US" dirty="0" smtClean="0"/>
               <a:t>建立用例的关系</a:t>
             </a:r>
-            <a:endParaRPr lang="zh-CN" altLang="en-US" dirty="0" smtClean="0"/>
+          </a:p>
+        </p:txBody>
+      </p:sp>
+      <p:sp>
+        <p:nvSpPr>
+          <p:cNvPr id="5123" name="Rectangle 3"/>
+          <p:cNvSpPr>
+            <a:spLocks noGrp="1" noChangeArrowheads="1"/>
+          </p:cNvSpPr>
+          <p:nvPr>
+            <p:ph type="body" idx="1"/>
+          </p:nvPr>
+        </p:nvSpPr>
+        <p:spPr/>
+        <p:txBody>
+          <a:bodyPr>
+            <a:normAutofit/>
+          </a:bodyPr>
+          <a:lstStyle/>
+          <a:p>
+            <a:pPr>
+              <a:lnSpc>
+                <a:spcPct val="120000"/>
+              </a:lnSpc>
+              <a:spcBef>
+                <a:spcPts val="0"/>
+              </a:spcBef>
+            </a:pPr>
+            <a:r>
+              <a:rPr lang="zh-CN" altLang="en-US" dirty="0"/>
+              <a:t>扩展</a:t>
+            </a:r>
+            <a:r>
+              <a:rPr lang="zh-CN" altLang="en-US" dirty="0" smtClean="0"/>
+              <a:t>关系（</a:t>
+            </a:r>
+            <a:r>
+              <a:rPr lang="en-US" altLang="zh-CN" dirty="0" smtClean="0"/>
+              <a:t>extend</a:t>
+            </a:r>
+            <a:r>
+              <a:rPr lang="zh-CN" altLang="en-US" dirty="0" smtClean="0"/>
+              <a:t>）</a:t>
+            </a:r>
+            <a:endParaRPr lang="en-US" altLang="zh-CN" dirty="0" smtClean="0"/>
+          </a:p>
+          <a:p>
+            <a:pPr lvl="1">
+              <a:lnSpc>
+                <a:spcPct val="120000"/>
+              </a:lnSpc>
+              <a:spcBef>
+                <a:spcPts val="0"/>
+              </a:spcBef>
+            </a:pPr>
+            <a:r>
+              <a:rPr lang="zh-CN" altLang="en-US" dirty="0" smtClean="0">
+                <a:latin typeface="楷体" panose="02010609060101010101" pitchFamily="49" charset="-122"/>
+                <a:ea typeface="楷体" panose="02010609060101010101" pitchFamily="49" charset="-122"/>
+              </a:rPr>
+              <a:t>在特定的情况下，对基本用例的延伸。</a:t>
+            </a:r>
+            <a:endParaRPr lang="en-US" altLang="zh-CN" dirty="0" smtClean="0">
+              <a:latin typeface="楷体" panose="02010609060101010101" pitchFamily="49" charset="-122"/>
+              <a:ea typeface="楷体" panose="02010609060101010101" pitchFamily="49" charset="-122"/>
+            </a:endParaRPr>
+          </a:p>
+          <a:p>
+            <a:pPr lvl="1">
+              <a:lnSpc>
+                <a:spcPct val="120000"/>
+              </a:lnSpc>
+              <a:spcBef>
+                <a:spcPts val="0"/>
+              </a:spcBef>
+            </a:pPr>
+            <a:r>
+              <a:rPr lang="zh-CN" altLang="en-US" dirty="0" smtClean="0">
+                <a:latin typeface="楷体" panose="02010609060101010101" pitchFamily="49" charset="-122"/>
+                <a:ea typeface="楷体" panose="02010609060101010101" pitchFamily="49" charset="-122"/>
+              </a:rPr>
+              <a:t>一</a:t>
+            </a:r>
+            <a:r>
+              <a:rPr lang="zh-CN" altLang="en-US" dirty="0">
+                <a:latin typeface="楷体" panose="02010609060101010101" pitchFamily="49" charset="-122"/>
+                <a:ea typeface="楷体" panose="02010609060101010101" pitchFamily="49" charset="-122"/>
+              </a:rPr>
+              <a:t>个用例被定义为基础用例的</a:t>
+            </a:r>
+            <a:r>
+              <a:rPr lang="zh-CN" altLang="en-US" dirty="0" smtClean="0">
+                <a:latin typeface="楷体" panose="02010609060101010101" pitchFamily="49" charset="-122"/>
+                <a:ea typeface="楷体" panose="02010609060101010101" pitchFamily="49" charset="-122"/>
+              </a:rPr>
+              <a:t>增量扩展</a:t>
+            </a:r>
+            <a:r>
+              <a:rPr lang="zh-CN" altLang="en-US" dirty="0">
+                <a:latin typeface="楷体" panose="02010609060101010101" pitchFamily="49" charset="-122"/>
+                <a:ea typeface="楷体" panose="02010609060101010101" pitchFamily="49" charset="-122"/>
+              </a:rPr>
+              <a:t>，是把新的行为插入到已有的用例中的</a:t>
+            </a:r>
+            <a:r>
+              <a:rPr lang="zh-CN" altLang="en-US" dirty="0" smtClean="0">
+                <a:latin typeface="楷体" panose="02010609060101010101" pitchFamily="49" charset="-122"/>
+                <a:ea typeface="楷体" panose="02010609060101010101" pitchFamily="49" charset="-122"/>
+              </a:rPr>
+              <a:t>办法。</a:t>
+            </a:r>
+            <a:endParaRPr lang="en-US" altLang="zh-CN" dirty="0" smtClean="0">
+              <a:latin typeface="楷体" panose="02010609060101010101" pitchFamily="49" charset="-122"/>
+              <a:ea typeface="楷体" panose="02010609060101010101" pitchFamily="49" charset="-122"/>
+            </a:endParaRPr>
+          </a:p>
+          <a:p>
+            <a:pPr lvl="1">
+              <a:lnSpc>
+                <a:spcPct val="120000"/>
+              </a:lnSpc>
+              <a:spcBef>
+                <a:spcPts val="0"/>
+              </a:spcBef>
+            </a:pPr>
+            <a:r>
+              <a:rPr lang="zh-CN" altLang="en-US" dirty="0" smtClean="0">
+                <a:latin typeface="楷体" panose="02010609060101010101" pitchFamily="49" charset="-122"/>
+                <a:ea typeface="楷体" panose="02010609060101010101" pitchFamily="49" charset="-122"/>
+              </a:rPr>
+              <a:t>比如：“登记赔偿”用例是对“归还图书”用例的扩展。</a:t>
+            </a:r>
+            <a:endParaRPr lang="en-US" altLang="zh-CN" dirty="0" smtClean="0">
+              <a:latin typeface="楷体" panose="02010609060101010101" pitchFamily="49" charset="-122"/>
+              <a:ea typeface="楷体" panose="02010609060101010101" pitchFamily="49" charset="-122"/>
+            </a:endParaRPr>
+          </a:p>
+        </p:txBody>
+      </p:sp>
+    </p:spTree>
+    <p:extLst>
+      <p:ext uri="{BB962C8B-B14F-4D97-AF65-F5344CB8AC3E}">
+        <p14:creationId xmlns:p14="http://schemas.microsoft.com/office/powerpoint/2010/main" val="4119047143"/>
+      </p:ext>
+    </p:extLst>
+  </p:cSld>
+  <p:clrMapOvr>
+    <a:masterClrMapping/>
+  </p:clrMapOvr>
+  <p:timing>
+    <p:tnLst>
+      <p:par>
+        <p:cTn id="1" dur="indefinite" restart="never" nodeType="tmRoot"/>
+      </p:par>
+    </p:tnLst>
+  </p:timing>
+</p:sld>
+</file>
+
+<file path=ppt/slides/slide21.xml><?xml version="1.0" encoding="utf-8"?>
+<p:sld xmlns:a="http://schemas.openxmlformats.org/drawingml/2006/main" xmlns:r="http://schemas.openxmlformats.org/officeDocument/2006/relationships" xmlns:p="http://schemas.openxmlformats.org/presentationml/2006/main">
+  <p:cSld>
+    <p:spTree>
+      <p:nvGrpSpPr>
+        <p:cNvPr id="1" name=""/>
+        <p:cNvGrpSpPr/>
+        <p:nvPr/>
+      </p:nvGrpSpPr>
+      <p:grpSpPr>
+        <a:xfrm>
+          <a:off x="0" y="0"/>
+          <a:ext cx="0" cy="0"/>
+          <a:chOff x="0" y="0"/>
+          <a:chExt cx="0" cy="0"/>
+        </a:xfrm>
+      </p:grpSpPr>
+      <p:sp>
+        <p:nvSpPr>
+          <p:cNvPr id="5122" name="Rectangle 2"/>
+          <p:cNvSpPr>
+            <a:spLocks noGrp="1" noChangeArrowheads="1"/>
+          </p:cNvSpPr>
+          <p:nvPr>
+            <p:ph type="title"/>
+          </p:nvPr>
+        </p:nvSpPr>
+        <p:spPr/>
+        <p:txBody>
+          <a:bodyPr>
+            <a:normAutofit/>
+          </a:bodyPr>
+          <a:lstStyle/>
+          <a:p>
+            <a:r>
+              <a:rPr lang="en-US" altLang="zh-CN" dirty="0" smtClean="0"/>
+              <a:t>7.3 </a:t>
+            </a:r>
+            <a:r>
+              <a:rPr lang="zh-CN" altLang="en-US" dirty="0" smtClean="0"/>
+              <a:t>建立用例的关系</a:t>
+            </a:r>
           </a:p>
         </p:txBody>
       </p:sp>
@@ -10183,155 +11446,6 @@
 </p:sld>
 </file>
 
-<file path=ppt/slides/slide21.xml><?xml version="1.0" encoding="utf-8"?>
-<p:sld xmlns:a="http://schemas.openxmlformats.org/drawingml/2006/main" xmlns:r="http://schemas.openxmlformats.org/officeDocument/2006/relationships" xmlns:p="http://schemas.openxmlformats.org/presentationml/2006/main">
-  <p:cSld>
-    <p:spTree>
-      <p:nvGrpSpPr>
-        <p:cNvPr id="1" name=""/>
-        <p:cNvGrpSpPr/>
-        <p:nvPr/>
-      </p:nvGrpSpPr>
-      <p:grpSpPr>
-        <a:xfrm>
-          <a:off x="0" y="0"/>
-          <a:ext cx="0" cy="0"/>
-          <a:chOff x="0" y="0"/>
-          <a:chExt cx="0" cy="0"/>
-        </a:xfrm>
-      </p:grpSpPr>
-      <p:sp>
-        <p:nvSpPr>
-          <p:cNvPr id="5122" name="Rectangle 2"/>
-          <p:cNvSpPr>
-            <a:spLocks noGrp="1" noChangeArrowheads="1"/>
-          </p:cNvSpPr>
-          <p:nvPr>
-            <p:ph type="title"/>
-          </p:nvPr>
-        </p:nvSpPr>
-        <p:spPr/>
-        <p:txBody>
-          <a:bodyPr>
-            <a:normAutofit/>
-          </a:bodyPr>
-          <a:lstStyle/>
-          <a:p>
-            <a:r>
-              <a:rPr lang="en-US" altLang="zh-CN" dirty="0" smtClean="0"/>
-              <a:t>7.3 </a:t>
-            </a:r>
-            <a:r>
-              <a:rPr lang="zh-CN" altLang="en-US" dirty="0" smtClean="0"/>
-              <a:t>建立用例的关系</a:t>
-            </a:r>
-            <a:endParaRPr lang="zh-CN" altLang="en-US" dirty="0" smtClean="0"/>
-          </a:p>
-        </p:txBody>
-      </p:sp>
-      <p:sp>
-        <p:nvSpPr>
-          <p:cNvPr id="5123" name="Rectangle 3"/>
-          <p:cNvSpPr>
-            <a:spLocks noGrp="1" noChangeArrowheads="1"/>
-          </p:cNvSpPr>
-          <p:nvPr>
-            <p:ph type="body" idx="1"/>
-          </p:nvPr>
-        </p:nvSpPr>
-        <p:spPr/>
-        <p:txBody>
-          <a:bodyPr>
-            <a:normAutofit/>
-          </a:bodyPr>
-          <a:lstStyle/>
-          <a:p>
-            <a:pPr>
-              <a:lnSpc>
-                <a:spcPct val="120000"/>
-              </a:lnSpc>
-              <a:spcBef>
-                <a:spcPts val="0"/>
-              </a:spcBef>
-            </a:pPr>
-            <a:r>
-              <a:rPr lang="zh-CN" altLang="en-US" dirty="0" smtClean="0"/>
-              <a:t>泛化关系（</a:t>
-            </a:r>
-            <a:r>
-              <a:rPr lang="en-US" altLang="zh-CN" dirty="0" smtClean="0"/>
-              <a:t>extend</a:t>
-            </a:r>
-            <a:r>
-              <a:rPr lang="zh-CN" altLang="en-US" dirty="0" smtClean="0"/>
-              <a:t>）</a:t>
-            </a:r>
-            <a:endParaRPr lang="en-US" altLang="zh-CN" dirty="0" smtClean="0"/>
-          </a:p>
-          <a:p>
-            <a:pPr lvl="1">
-              <a:lnSpc>
-                <a:spcPct val="120000"/>
-              </a:lnSpc>
-              <a:spcBef>
-                <a:spcPts val="0"/>
-              </a:spcBef>
-            </a:pPr>
-            <a:r>
-              <a:rPr lang="zh-CN" altLang="en-US" dirty="0" smtClean="0">
-                <a:latin typeface="楷体" panose="02010609060101010101" pitchFamily="49" charset="-122"/>
-                <a:ea typeface="楷体" panose="02010609060101010101" pitchFamily="49" charset="-122"/>
-              </a:rPr>
-              <a:t>如果多个用例在行为、结构和目的方面存在共性，可以使用泛化关系</a:t>
-            </a:r>
-            <a:endParaRPr lang="en-US" altLang="zh-CN" dirty="0" smtClean="0">
-              <a:latin typeface="楷体" panose="02010609060101010101" pitchFamily="49" charset="-122"/>
-              <a:ea typeface="楷体" panose="02010609060101010101" pitchFamily="49" charset="-122"/>
-            </a:endParaRPr>
-          </a:p>
-          <a:p>
-            <a:pPr lvl="1">
-              <a:lnSpc>
-                <a:spcPct val="120000"/>
-              </a:lnSpc>
-              <a:spcBef>
-                <a:spcPts val="0"/>
-              </a:spcBef>
-            </a:pPr>
-            <a:r>
-              <a:rPr lang="zh-CN" altLang="en-US" dirty="0" smtClean="0">
-                <a:latin typeface="楷体" panose="02010609060101010101" pitchFamily="49" charset="-122"/>
-                <a:ea typeface="楷体" panose="02010609060101010101" pitchFamily="49" charset="-122"/>
-              </a:rPr>
-              <a:t>具体做法是：构造一个新的，抽象的父类用例描述共有部分。父用例随后被子用例特殊化，子用例继承父用例所有结构、行为和关系。</a:t>
-            </a:r>
-            <a:endParaRPr lang="en-US" altLang="zh-CN" dirty="0" smtClean="0">
-              <a:latin typeface="楷体" panose="02010609060101010101" pitchFamily="49" charset="-122"/>
-              <a:ea typeface="楷体" panose="02010609060101010101" pitchFamily="49" charset="-122"/>
-            </a:endParaRPr>
-          </a:p>
-        </p:txBody>
-      </p:sp>
-    </p:spTree>
-    <p:extLst>
-      <p:ext uri="{BB962C8B-B14F-4D97-AF65-F5344CB8AC3E}">
-        <p14:creationId xmlns:p14="http://schemas.microsoft.com/office/powerpoint/2010/main" val="985689762"/>
-      </p:ext>
-    </p:extLst>
-  </p:cSld>
-  <p:clrMapOvr>
-    <a:masterClrMapping/>
-  </p:clrMapOvr>
-  <p:timing>
-    <p:tnLst>
-      <p:par>
-        <p:cTn id="1" dur="indefinite" restart="never" nodeType="tmRoot"/>
-      </p:par>
-    </p:tnLst>
-  </p:timing>
-</p:sld>
-</file>
-
 <file path=ppt/slides/slide22.xml><?xml version="1.0" encoding="utf-8"?>
 <p:sld xmlns:a="http://schemas.openxmlformats.org/drawingml/2006/main" xmlns:r="http://schemas.openxmlformats.org/officeDocument/2006/relationships" xmlns:p="http://schemas.openxmlformats.org/presentationml/2006/main">
   <p:cSld>
@@ -10374,7 +11488,6 @@
               <a:rPr lang="zh-CN" altLang="en-US" dirty="0" smtClean="0"/>
               <a:t>建立用例的关系</a:t>
             </a:r>
-            <a:endParaRPr lang="zh-CN" altLang="en-US" dirty="0" smtClean="0"/>
           </a:p>
         </p:txBody>
       </p:sp>
@@ -10388,12 +11501,7 @@
             <p:ph type="body" idx="1"/>
           </p:nvPr>
         </p:nvSpPr>
-        <p:spPr>
-          <a:xfrm>
-            <a:off x="1195750" y="1763667"/>
-            <a:ext cx="6798736" cy="2961477"/>
-          </a:xfrm>
-        </p:spPr>
+        <p:spPr/>
         <p:txBody>
           <a:bodyPr>
             <a:normAutofit/>
@@ -10410,7 +11518,15 @@
             </a:pPr>
             <a:r>
               <a:rPr lang="zh-CN" altLang="en-US" dirty="0" smtClean="0"/>
-              <a:t>用例的分组</a:t>
+              <a:t>泛化关系（</a:t>
+            </a:r>
+            <a:r>
+              <a:rPr lang="en-US" altLang="zh-CN" dirty="0" smtClean="0"/>
+              <a:t>extend</a:t>
+            </a:r>
+            <a:r>
+              <a:rPr lang="zh-CN" altLang="en-US" dirty="0" smtClean="0"/>
+              <a:t>）</a:t>
             </a:r>
             <a:endParaRPr lang="en-US" altLang="zh-CN" dirty="0" smtClean="0"/>
           </a:p>
@@ -10424,18 +11540,16 @@
               </a:spcBef>
             </a:pPr>
             <a:r>
-              <a:rPr lang="zh-CN" altLang="en-US" dirty="0" smtClean="0"/>
-              <a:t>一个复杂的系统会有较多的用例，为直观，方便理解，可以按用例主题（</a:t>
-            </a:r>
-            <a:r>
-              <a:rPr lang="en-US" altLang="zh-CN" dirty="0" smtClean="0"/>
-              <a:t>subject</a:t>
-            </a:r>
-            <a:r>
-              <a:rPr lang="zh-CN" altLang="en-US" dirty="0" smtClean="0"/>
-              <a:t>）划分为多个用例组。</a:t>
-            </a:r>
-            <a:endParaRPr lang="en-US" altLang="zh-CN" dirty="0" smtClean="0"/>
+              <a:rPr lang="zh-CN" altLang="en-US" dirty="0" smtClean="0">
+                <a:latin typeface="楷体" panose="02010609060101010101" pitchFamily="49" charset="-122"/>
+                <a:ea typeface="楷体" panose="02010609060101010101" pitchFamily="49" charset="-122"/>
+              </a:rPr>
+              <a:t>如果多个用例在行为、结构和目的方面存在共性，可以使用泛化关系</a:t>
+            </a:r>
+            <a:endParaRPr lang="en-US" altLang="zh-CN" dirty="0" smtClean="0">
+              <a:latin typeface="楷体" panose="02010609060101010101" pitchFamily="49" charset="-122"/>
+              <a:ea typeface="楷体" panose="02010609060101010101" pitchFamily="49" charset="-122"/>
+            </a:endParaRPr>
           </a:p>
           <a:p>
             <a:pPr lvl="1">
@@ -10447,17 +11561,23 @@
               </a:spcBef>
             </a:pPr>
             <a:r>
-              <a:rPr lang="zh-CN" altLang="en-US" dirty="0" smtClean="0"/>
-              <a:t>一组用例放置在以主题命名的方框中。</a:t>
-            </a:r>
-            <a:endParaRPr lang="en-US" altLang="zh-CN" dirty="0" smtClean="0"/>
+              <a:rPr lang="zh-CN" altLang="en-US" dirty="0" smtClean="0">
+                <a:latin typeface="楷体" panose="02010609060101010101" pitchFamily="49" charset="-122"/>
+                <a:ea typeface="楷体" panose="02010609060101010101" pitchFamily="49" charset="-122"/>
+              </a:rPr>
+              <a:t>具体做法是：构造一个新的，抽象的父类用例描述共有部分。父用例随后被子用例特殊化，子用例继承父用例所有结构、行为和关系。</a:t>
+            </a:r>
+            <a:endParaRPr lang="en-US" altLang="zh-CN" dirty="0" smtClean="0">
+              <a:latin typeface="楷体" panose="02010609060101010101" pitchFamily="49" charset="-122"/>
+              <a:ea typeface="楷体" panose="02010609060101010101" pitchFamily="49" charset="-122"/>
+            </a:endParaRPr>
           </a:p>
         </p:txBody>
       </p:sp>
     </p:spTree>
     <p:extLst>
       <p:ext uri="{BB962C8B-B14F-4D97-AF65-F5344CB8AC3E}">
-        <p14:creationId xmlns:p14="http://schemas.microsoft.com/office/powerpoint/2010/main" val="4283005933"/>
+        <p14:creationId xmlns:p14="http://schemas.microsoft.com/office/powerpoint/2010/main" val="985689762"/>
       </p:ext>
     </p:extLst>
   </p:cSld>
@@ -10516,7 +11636,147 @@
               <a:rPr lang="zh-CN" altLang="en-US" dirty="0" smtClean="0"/>
               <a:t>建立用例的关系</a:t>
             </a:r>
-            <a:endParaRPr lang="zh-CN" altLang="en-US" dirty="0" smtClean="0"/>
+          </a:p>
+        </p:txBody>
+      </p:sp>
+      <p:sp>
+        <p:nvSpPr>
+          <p:cNvPr id="5123" name="Rectangle 3"/>
+          <p:cNvSpPr>
+            <a:spLocks noGrp="1" noChangeArrowheads="1"/>
+          </p:cNvSpPr>
+          <p:nvPr>
+            <p:ph type="body" idx="1"/>
+          </p:nvPr>
+        </p:nvSpPr>
+        <p:spPr>
+          <a:xfrm>
+            <a:off x="1195750" y="1763667"/>
+            <a:ext cx="6798736" cy="2961477"/>
+          </a:xfrm>
+        </p:spPr>
+        <p:txBody>
+          <a:bodyPr>
+            <a:normAutofit/>
+          </a:bodyPr>
+          <a:lstStyle/>
+          <a:p>
+            <a:pPr>
+              <a:lnSpc>
+                <a:spcPct val="120000"/>
+              </a:lnSpc>
+              <a:spcBef>
+                <a:spcPts val="0"/>
+              </a:spcBef>
+            </a:pPr>
+            <a:r>
+              <a:rPr lang="zh-CN" altLang="en-US" dirty="0" smtClean="0"/>
+              <a:t>用例的分组</a:t>
+            </a:r>
+            <a:endParaRPr lang="en-US" altLang="zh-CN" dirty="0" smtClean="0"/>
+          </a:p>
+          <a:p>
+            <a:pPr lvl="1">
+              <a:lnSpc>
+                <a:spcPct val="120000"/>
+              </a:lnSpc>
+              <a:spcBef>
+                <a:spcPts val="0"/>
+              </a:spcBef>
+            </a:pPr>
+            <a:r>
+              <a:rPr lang="zh-CN" altLang="en-US" dirty="0" smtClean="0"/>
+              <a:t>一个复杂的系统会有较多的用例，为直观，方便理解，可以按用例主题（</a:t>
+            </a:r>
+            <a:r>
+              <a:rPr lang="en-US" altLang="zh-CN" dirty="0" smtClean="0"/>
+              <a:t>subject</a:t>
+            </a:r>
+            <a:r>
+              <a:rPr lang="zh-CN" altLang="en-US" dirty="0" smtClean="0"/>
+              <a:t>）划分为多个用例组。</a:t>
+            </a:r>
+            <a:endParaRPr lang="en-US" altLang="zh-CN" dirty="0" smtClean="0"/>
+          </a:p>
+          <a:p>
+            <a:pPr lvl="1">
+              <a:lnSpc>
+                <a:spcPct val="120000"/>
+              </a:lnSpc>
+              <a:spcBef>
+                <a:spcPts val="0"/>
+              </a:spcBef>
+            </a:pPr>
+            <a:r>
+              <a:rPr lang="zh-CN" altLang="en-US" dirty="0" smtClean="0"/>
+              <a:t>一组用例放置在以主题命名的方框中。</a:t>
+            </a:r>
+            <a:endParaRPr lang="en-US" altLang="zh-CN" dirty="0" smtClean="0"/>
+          </a:p>
+        </p:txBody>
+      </p:sp>
+    </p:spTree>
+    <p:extLst>
+      <p:ext uri="{BB962C8B-B14F-4D97-AF65-F5344CB8AC3E}">
+        <p14:creationId xmlns:p14="http://schemas.microsoft.com/office/powerpoint/2010/main" val="4283005933"/>
+      </p:ext>
+    </p:extLst>
+  </p:cSld>
+  <p:clrMapOvr>
+    <a:masterClrMapping/>
+  </p:clrMapOvr>
+  <p:timing>
+    <p:tnLst>
+      <p:par>
+        <p:cTn id="1" dur="indefinite" restart="never" nodeType="tmRoot"/>
+      </p:par>
+    </p:tnLst>
+  </p:timing>
+</p:sld>
+</file>
+
+<file path=ppt/slides/slide24.xml><?xml version="1.0" encoding="utf-8"?>
+<p:sld xmlns:a="http://schemas.openxmlformats.org/drawingml/2006/main" xmlns:r="http://schemas.openxmlformats.org/officeDocument/2006/relationships" xmlns:p="http://schemas.openxmlformats.org/presentationml/2006/main">
+  <p:cSld>
+    <p:spTree>
+      <p:nvGrpSpPr>
+        <p:cNvPr id="1" name=""/>
+        <p:cNvGrpSpPr/>
+        <p:nvPr/>
+      </p:nvGrpSpPr>
+      <p:grpSpPr>
+        <a:xfrm>
+          <a:off x="0" y="0"/>
+          <a:ext cx="0" cy="0"/>
+          <a:chOff x="0" y="0"/>
+          <a:chExt cx="0" cy="0"/>
+        </a:xfrm>
+      </p:grpSpPr>
+      <p:sp>
+        <p:nvSpPr>
+          <p:cNvPr id="5122" name="Rectangle 2"/>
+          <p:cNvSpPr>
+            <a:spLocks noGrp="1" noChangeArrowheads="1"/>
+          </p:cNvSpPr>
+          <p:nvPr>
+            <p:ph type="title"/>
+          </p:nvPr>
+        </p:nvSpPr>
+        <p:spPr/>
+        <p:txBody>
+          <a:bodyPr>
+            <a:normAutofit/>
+          </a:bodyPr>
+          <a:lstStyle/>
+          <a:p>
+            <a:r>
+              <a:rPr lang="en-US" altLang="zh-CN" dirty="0" smtClean="0"/>
+              <a:t>7.3 </a:t>
+            </a:r>
+            <a:r>
+              <a:rPr lang="zh-CN" altLang="en-US" dirty="0" smtClean="0"/>
+              <a:t>建立用例的关系</a:t>
+            </a:r>
           </a:p>
         </p:txBody>
       </p:sp>
@@ -10648,7 +11908,6 @@
               <a:rPr lang="zh-CN" altLang="en-US" dirty="0" smtClean="0"/>
               <a:t>需求分析</a:t>
             </a:r>
-            <a:endParaRPr lang="zh-CN" altLang="en-US" dirty="0" smtClean="0"/>
           </a:p>
         </p:txBody>
       </p:sp>
@@ -10743,7 +12002,6 @@
               <a:rPr lang="zh-CN" altLang="en-US" dirty="0" smtClean="0"/>
               <a:t>全部的用例，构成用例模型</a:t>
             </a:r>
-            <a:endParaRPr lang="zh-CN" altLang="en-US" dirty="0" smtClean="0"/>
           </a:p>
         </p:txBody>
       </p:sp>
@@ -10805,7 +12063,6 @@
               <a:rPr lang="zh-CN" altLang="en-US" dirty="0" smtClean="0"/>
               <a:t>系统边界</a:t>
             </a:r>
-            <a:endParaRPr lang="zh-CN" altLang="en-US" dirty="0" smtClean="0"/>
           </a:p>
         </p:txBody>
       </p:sp>
@@ -11003,17 +12260,12 @@
           <a:p>
             <a:r>
               <a:rPr lang="en-US" altLang="zh-CN" dirty="0" smtClean="0"/>
-              <a:t>7.1</a:t>
-            </a:r>
-            <a:r>
-              <a:rPr lang="en-US" altLang="zh-CN" dirty="0" smtClean="0"/>
-              <a:t>.2 </a:t>
+              <a:t>7.1.2 </a:t>
             </a:r>
             <a:r>
               <a:rPr lang="zh-CN" altLang="en-US" dirty="0" smtClean="0"/>
               <a:t>识别参与者</a:t>
             </a:r>
-            <a:endParaRPr lang="zh-CN" altLang="en-US" dirty="0" smtClean="0"/>
           </a:p>
         </p:txBody>
       </p:sp>
@@ -11744,7 +12996,6 @@
               <a:rPr lang="zh-CN" altLang="en-US" dirty="0" smtClean="0"/>
               <a:t>主要参与者与次要参与者</a:t>
             </a:r>
-            <a:endParaRPr lang="zh-CN" altLang="en-US" dirty="0" smtClean="0"/>
           </a:p>
         </p:txBody>
       </p:sp>
@@ -12977,16 +14228,12 @@
           <a:lstStyle/>
           <a:p>
             <a:r>
-              <a:rPr lang="en-US" altLang="zh-CN" dirty="0" smtClean="0"/>
-              <a:t>7.1</a:t>
-            </a:r>
-            <a:r>
-              <a:rPr lang="en-US" altLang="zh-CN" dirty="0" smtClean="0"/>
-              <a:t>.3 </a:t>
-            </a:r>
-            <a:r>
-              <a:rPr lang="zh-CN" altLang="en-US" dirty="0" smtClean="0"/>
-              <a:t>识别用例</a:t>
+              <a:rPr lang="zh-CN" altLang="en-US" dirty="0"/>
+              <a:t>参与者的泛化</a:t>
+            </a:r>
+            <a:r>
+              <a:rPr lang="en-US" altLang="zh-CN" dirty="0"/>
+              <a:t>generalization</a:t>
             </a:r>
             <a:endParaRPr lang="zh-CN" altLang="en-US" dirty="0" smtClean="0"/>
           </a:p>
@@ -13004,13 +14251,13 @@
         </p:nvSpPr>
         <p:spPr>
           <a:xfrm>
-            <a:off x="1195750" y="1763668"/>
-            <a:ext cx="6798736" cy="4329628"/>
+            <a:off x="634680" y="1684557"/>
+            <a:ext cx="7992888" cy="1271769"/>
           </a:xfrm>
         </p:spPr>
         <p:txBody>
           <a:bodyPr>
-            <a:normAutofit/>
+            <a:normAutofit fontScale="70000" lnSpcReduction="20000"/>
           </a:bodyPr>
           <a:lstStyle/>
           <a:p>
@@ -13024,9 +14271,53 @@
             </a:pPr>
             <a:r>
               <a:rPr lang="zh-CN" altLang="en-US" b="1" dirty="0" smtClean="0"/>
-              <a:t>用例通常是参与者的一些动作，表达参与者要完成的工作。</a:t>
+              <a:t>下面的两个用例图是一个意思。但使用泛化更好。</a:t>
             </a:r>
             <a:endParaRPr lang="en-US" altLang="zh-CN" b="1" dirty="0" smtClean="0"/>
+          </a:p>
+          <a:p>
+            <a:pPr marL="0" indent="0">
+              <a:lnSpc>
+                <a:spcPct val="120000"/>
+              </a:lnSpc>
+              <a:spcBef>
+                <a:spcPts val="0"/>
+              </a:spcBef>
+              <a:buNone/>
+            </a:pPr>
+            <a:r>
+              <a:rPr lang="zh-CN" altLang="en-US" b="1" dirty="0" smtClean="0">
+                <a:latin typeface="楷体" panose="02010609060101010101" pitchFamily="49" charset="-122"/>
+                <a:ea typeface="楷体" panose="02010609060101010101" pitchFamily="49" charset="-122"/>
+              </a:rPr>
+              <a:t>              </a:t>
+            </a:r>
+            <a:endParaRPr lang="en-US" altLang="zh-CN" b="1" dirty="0" smtClean="0">
+              <a:latin typeface="楷体" panose="02010609060101010101" pitchFamily="49" charset="-122"/>
+              <a:ea typeface="楷体" panose="02010609060101010101" pitchFamily="49" charset="-122"/>
+            </a:endParaRPr>
+          </a:p>
+          <a:p>
+            <a:pPr marL="0" indent="0">
+              <a:lnSpc>
+                <a:spcPct val="120000"/>
+              </a:lnSpc>
+              <a:spcBef>
+                <a:spcPts val="0"/>
+              </a:spcBef>
+              <a:buNone/>
+            </a:pPr>
+            <a:r>
+              <a:rPr lang="zh-CN" altLang="en-US" b="1" dirty="0" smtClean="0">
+                <a:latin typeface="楷体" panose="02010609060101010101" pitchFamily="49" charset="-122"/>
+                <a:ea typeface="楷体" panose="02010609060101010101" pitchFamily="49" charset="-122"/>
+              </a:rPr>
+              <a:t>          普通设计                              泛化设计</a:t>
+            </a:r>
+            <a:endParaRPr lang="en-US" altLang="zh-CN" b="1" dirty="0" smtClean="0">
+              <a:latin typeface="楷体" panose="02010609060101010101" pitchFamily="49" charset="-122"/>
+              <a:ea typeface="楷体" panose="02010609060101010101" pitchFamily="49" charset="-122"/>
+            </a:endParaRPr>
           </a:p>
         </p:txBody>
       </p:sp>
@@ -13038,10 +14329,10 @@
         </p:nvGrpSpPr>
         <p:grpSpPr>
           <a:xfrm>
-            <a:off x="7385893" y="3979032"/>
-            <a:ext cx="792088" cy="993741"/>
-            <a:chOff x="2627784" y="3573016"/>
-            <a:chExt cx="792088" cy="993741"/>
+            <a:off x="4559766" y="3001863"/>
+            <a:ext cx="936104" cy="993741"/>
+            <a:chOff x="2483768" y="3573016"/>
+            <a:chExt cx="936104" cy="993741"/>
           </a:xfrm>
         </p:grpSpPr>
         <p:sp>
@@ -13233,8 +14524,8 @@
           </p:nvSpPr>
           <p:spPr>
             <a:xfrm>
-              <a:off x="2627784" y="4197425"/>
-              <a:ext cx="792088" cy="369332"/>
+              <a:off x="2483768" y="4197425"/>
+              <a:ext cx="936104" cy="369332"/>
             </a:xfrm>
             <a:prstGeom prst="rect">
               <a:avLst/>
@@ -13249,10 +14540,9 @@
             <a:p>
               <a:pPr algn="ctr"/>
               <a:r>
-                <a:rPr lang="zh-CN" altLang="en-US" dirty="0" smtClean="0"/>
-                <a:t>读者</a:t>
+                <a:rPr lang="zh-CN" altLang="en-US" dirty="0"/>
+                <a:t>收银员</a:t>
               </a:r>
-              <a:endParaRPr lang="zh-CN" altLang="en-US" dirty="0"/>
             </a:p>
           </p:txBody>
         </p:sp>
@@ -13265,7 +14555,7 @@
         </p:nvGrpSpPr>
         <p:grpSpPr>
           <a:xfrm>
-            <a:off x="1123339" y="3851494"/>
+            <a:off x="4559766" y="5144818"/>
             <a:ext cx="936104" cy="1270740"/>
             <a:chOff x="2498928" y="3573016"/>
             <a:chExt cx="936104" cy="1270740"/>
@@ -13477,7 +14767,7 @@
               <a:pPr algn="ctr"/>
               <a:r>
                 <a:rPr lang="zh-CN" altLang="en-US" dirty="0" smtClean="0"/>
-                <a:t>图书管理员</a:t>
+                <a:t>值班经理</a:t>
               </a:r>
               <a:endParaRPr lang="zh-CN" altLang="en-US" dirty="0"/>
             </a:p>
@@ -13492,8 +14782,8 @@
         </p:nvSpPr>
         <p:spPr>
           <a:xfrm>
-            <a:off x="2979439" y="2972238"/>
-            <a:ext cx="3843134" cy="2833026"/>
+            <a:off x="6478149" y="2852936"/>
+            <a:ext cx="2114065" cy="3176402"/>
           </a:xfrm>
           <a:prstGeom prst="rect">
             <a:avLst/>
@@ -13527,14 +14817,14 @@
         <p:nvCxnSpPr>
           <p:cNvPr id="35" name="直接箭头连接符 34"/>
           <p:cNvCxnSpPr>
-            <a:endCxn id="3" idx="2"/>
+            <a:stCxn id="13" idx="3"/>
           </p:cNvCxnSpPr>
           <p:nvPr/>
         </p:nvCxnSpPr>
         <p:spPr>
           <a:xfrm flipV="1">
-            <a:off x="2053444" y="3369118"/>
-            <a:ext cx="1085421" cy="1069084"/>
+            <a:off x="5495870" y="3301994"/>
+            <a:ext cx="1211252" cy="508944"/>
           </a:xfrm>
           <a:prstGeom prst="straightConnector1">
             <a:avLst/>
@@ -13562,14 +14852,14 @@
         <p:nvCxnSpPr>
           <p:cNvPr id="38" name="直接箭头连接符 37"/>
           <p:cNvCxnSpPr>
-            <a:endCxn id="36" idx="6"/>
+            <a:endCxn id="24" idx="2"/>
           </p:cNvCxnSpPr>
           <p:nvPr/>
         </p:nvCxnSpPr>
         <p:spPr>
-          <a:xfrm flipH="1" flipV="1">
-            <a:off x="6509606" y="3372762"/>
-            <a:ext cx="950085" cy="1089188"/>
+          <a:xfrm flipV="1">
+            <a:off x="5542045" y="5652111"/>
+            <a:ext cx="1383512" cy="105860"/>
           </a:xfrm>
           <a:prstGeom prst="straightConnector1">
             <a:avLst/>
@@ -13601,8 +14891,8 @@
         </p:nvSpPr>
         <p:spPr>
           <a:xfrm>
-            <a:off x="3138865" y="3104267"/>
-            <a:ext cx="1572664" cy="529701"/>
+            <a:off x="6920621" y="3656888"/>
+            <a:ext cx="1311553" cy="563951"/>
           </a:xfrm>
           <a:prstGeom prst="ellipse">
             <a:avLst/>
@@ -13633,10 +14923,6 @@
           <a:lstStyle/>
           <a:p>
             <a:pPr algn="ctr"/>
-            <a:r>
-              <a:rPr lang="zh-CN" altLang="en-US" dirty="0" smtClean="0"/>
-              <a:t>借书</a:t>
-            </a:r>
             <a:endParaRPr lang="zh-CN" altLang="en-US" dirty="0"/>
           </a:p>
         </p:txBody>
@@ -13649,8 +14935,8 @@
         </p:nvSpPr>
         <p:spPr>
           <a:xfrm>
-            <a:off x="3176828" y="3755783"/>
-            <a:ext cx="1572664" cy="529701"/>
+            <a:off x="6925557" y="5381686"/>
+            <a:ext cx="1311553" cy="540850"/>
           </a:xfrm>
           <a:prstGeom prst="ellipse">
             <a:avLst/>
@@ -13681,28 +14967,119 @@
           <a:lstStyle/>
           <a:p>
             <a:pPr algn="ctr"/>
-            <a:r>
-              <a:rPr lang="zh-CN" altLang="en-US" dirty="0"/>
-              <a:t>还</a:t>
-            </a:r>
-            <a:r>
-              <a:rPr lang="zh-CN" altLang="en-US" dirty="0" smtClean="0"/>
-              <a:t>书</a:t>
-            </a:r>
             <a:endParaRPr lang="zh-CN" altLang="en-US" dirty="0"/>
           </a:p>
         </p:txBody>
       </p:sp>
-      <p:sp>
-        <p:nvSpPr>
-          <p:cNvPr id="25" name="椭圆 24"/>
+      <p:grpSp>
+        <p:nvGrpSpPr>
+          <p:cNvPr id="39" name="组合 38"/>
+          <p:cNvGrpSpPr/>
+          <p:nvPr/>
+        </p:nvGrpSpPr>
+        <p:grpSpPr>
+          <a:xfrm>
+            <a:off x="4934152" y="4165923"/>
+            <a:ext cx="277861" cy="714344"/>
+            <a:chOff x="1475656" y="3531889"/>
+            <a:chExt cx="277861" cy="714344"/>
+          </a:xfrm>
+        </p:grpSpPr>
+        <p:sp>
+          <p:nvSpPr>
+            <p:cNvPr id="17" name="等腰三角形 16"/>
+            <p:cNvSpPr/>
+            <p:nvPr/>
+          </p:nvSpPr>
+          <p:spPr>
+            <a:xfrm>
+              <a:off x="1475656" y="3531889"/>
+              <a:ext cx="277861" cy="252819"/>
+            </a:xfrm>
+            <a:prstGeom prst="triangle">
+              <a:avLst/>
+            </a:prstGeom>
+            <a:noFill/>
+            <a:ln w="19050">
+              <a:solidFill>
+                <a:srgbClr val="FF0000"/>
+              </a:solidFill>
+            </a:ln>
+          </p:spPr>
+          <p:style>
+            <a:lnRef idx="2">
+              <a:schemeClr val="dk1"/>
+            </a:lnRef>
+            <a:fillRef idx="1">
+              <a:schemeClr val="lt1"/>
+            </a:fillRef>
+            <a:effectRef idx="0">
+              <a:schemeClr val="dk1"/>
+            </a:effectRef>
+            <a:fontRef idx="minor">
+              <a:schemeClr val="dk1"/>
+            </a:fontRef>
+          </p:style>
+          <p:txBody>
+            <a:bodyPr rot="0" spcFirstLastPara="0" vertOverflow="overflow" horzOverflow="overflow" vert="horz" wrap="square" lIns="91440" tIns="45720" rIns="91440" bIns="45720" numCol="1" spcCol="0" rtlCol="0" fromWordArt="0" anchor="ctr" anchorCtr="0" forceAA="0" compatLnSpc="1">
+              <a:prstTxWarp prst="textNoShape">
+                <a:avLst/>
+              </a:prstTxWarp>
+              <a:noAutofit/>
+            </a:bodyPr>
+            <a:lstStyle/>
+            <a:p>
+              <a:pPr algn="ctr"/>
+              <a:endParaRPr lang="zh-CN" altLang="en-US"/>
+            </a:p>
+          </p:txBody>
+        </p:sp>
+        <p:cxnSp>
+          <p:nvCxnSpPr>
+            <p:cNvPr id="37" name="直接连接符 36"/>
+            <p:cNvCxnSpPr/>
+            <p:nvPr/>
+          </p:nvCxnSpPr>
+          <p:spPr>
+            <a:xfrm>
+              <a:off x="1619672" y="3784708"/>
+              <a:ext cx="0" cy="461525"/>
+            </a:xfrm>
+            <a:prstGeom prst="line">
+              <a:avLst/>
+            </a:prstGeom>
+            <a:ln w="19050">
+              <a:solidFill>
+                <a:srgbClr val="FF0000"/>
+              </a:solidFill>
+            </a:ln>
+          </p:spPr>
+          <p:style>
+            <a:lnRef idx="1">
+              <a:schemeClr val="accent1"/>
+            </a:lnRef>
+            <a:fillRef idx="0">
+              <a:schemeClr val="accent1"/>
+            </a:fillRef>
+            <a:effectRef idx="0">
+              <a:schemeClr val="accent1"/>
+            </a:effectRef>
+            <a:fontRef idx="minor">
+              <a:schemeClr val="tx1"/>
+            </a:fontRef>
+          </p:style>
+        </p:cxnSp>
+      </p:grpSp>
+      <p:sp>
+        <p:nvSpPr>
+          <p:cNvPr id="36" name="椭圆 35"/>
           <p:cNvSpPr/>
           <p:nvPr/>
         </p:nvSpPr>
         <p:spPr>
           <a:xfrm>
-            <a:off x="3241659" y="4461950"/>
-            <a:ext cx="1572664" cy="529701"/>
+            <a:off x="6879405" y="3001100"/>
+            <a:ext cx="1352769" cy="563951"/>
           </a:xfrm>
           <a:prstGeom prst="ellipse">
             <a:avLst/>
@@ -13733,24 +15110,20 @@
           <a:lstStyle/>
           <a:p>
             <a:pPr algn="ctr"/>
-            <a:r>
-              <a:rPr lang="zh-CN" altLang="en-US" dirty="0" smtClean="0"/>
-              <a:t>维护书目</a:t>
-            </a:r>
             <a:endParaRPr lang="zh-CN" altLang="en-US" dirty="0"/>
           </a:p>
         </p:txBody>
       </p:sp>
       <p:sp>
         <p:nvSpPr>
-          <p:cNvPr id="26" name="椭圆 25"/>
+          <p:cNvPr id="40" name="椭圆 39"/>
           <p:cNvSpPr/>
           <p:nvPr/>
         </p:nvSpPr>
         <p:spPr>
           <a:xfrm>
-            <a:off x="3246268" y="5154619"/>
-            <a:ext cx="1572664" cy="529701"/>
+            <a:off x="6966571" y="4379079"/>
+            <a:ext cx="1311553" cy="540850"/>
           </a:xfrm>
           <a:prstGeom prst="ellipse">
             <a:avLst/>
@@ -13781,202 +15154,6 @@
           <a:lstStyle/>
           <a:p>
             <a:pPr algn="ctr"/>
-            <a:r>
-              <a:rPr lang="zh-CN" altLang="en-US" dirty="0" smtClean="0"/>
-              <a:t>维护读者信息</a:t>
-            </a:r>
-            <a:endParaRPr lang="zh-CN" altLang="en-US" dirty="0"/>
-          </a:p>
-        </p:txBody>
-      </p:sp>
-      <p:sp>
-        <p:nvSpPr>
-          <p:cNvPr id="36" name="椭圆 35"/>
-          <p:cNvSpPr/>
-          <p:nvPr/>
-        </p:nvSpPr>
-        <p:spPr>
-          <a:xfrm>
-            <a:off x="4936942" y="3107911"/>
-            <a:ext cx="1572664" cy="529701"/>
-          </a:xfrm>
-          <a:prstGeom prst="ellipse">
-            <a:avLst/>
-          </a:prstGeom>
-          <a:noFill/>
-        </p:spPr>
-        <p:style>
-          <a:lnRef idx="2">
-            <a:schemeClr val="dk1"/>
-          </a:lnRef>
-          <a:fillRef idx="1">
-            <a:schemeClr val="lt1"/>
-          </a:fillRef>
-          <a:effectRef idx="0">
-            <a:schemeClr val="dk1"/>
-          </a:effectRef>
-          <a:fontRef idx="minor">
-            <a:schemeClr val="dk1"/>
-          </a:fontRef>
-        </p:style>
-        <p:txBody>
-          <a:bodyPr rot="0" spcFirstLastPara="0" vertOverflow="overflow" horzOverflow="overflow" vert="horz" wrap="square" lIns="91440" tIns="45720" rIns="91440" bIns="45720" numCol="1" spcCol="0" rtlCol="0" fromWordArt="0" anchor="ctr" anchorCtr="0" forceAA="0" compatLnSpc="1">
-            <a:prstTxWarp prst="textNoShape">
-              <a:avLst/>
-            </a:prstTxWarp>
-            <a:noAutofit/>
-          </a:bodyPr>
-          <a:lstStyle/>
-          <a:p>
-            <a:pPr algn="ctr"/>
-            <a:r>
-              <a:rPr lang="zh-CN" altLang="en-US" dirty="0" smtClean="0"/>
-              <a:t>查询书目</a:t>
-            </a:r>
-            <a:endParaRPr lang="zh-CN" altLang="en-US" dirty="0"/>
-          </a:p>
-        </p:txBody>
-      </p:sp>
-      <p:sp>
-        <p:nvSpPr>
-          <p:cNvPr id="37" name="椭圆 36"/>
-          <p:cNvSpPr/>
-          <p:nvPr/>
-        </p:nvSpPr>
-        <p:spPr>
-          <a:xfrm>
-            <a:off x="4955537" y="3780079"/>
-            <a:ext cx="1572664" cy="529701"/>
-          </a:xfrm>
-          <a:prstGeom prst="ellipse">
-            <a:avLst/>
-          </a:prstGeom>
-          <a:noFill/>
-        </p:spPr>
-        <p:style>
-          <a:lnRef idx="2">
-            <a:schemeClr val="dk1"/>
-          </a:lnRef>
-          <a:fillRef idx="1">
-            <a:schemeClr val="lt1"/>
-          </a:fillRef>
-          <a:effectRef idx="0">
-            <a:schemeClr val="dk1"/>
-          </a:effectRef>
-          <a:fontRef idx="minor">
-            <a:schemeClr val="dk1"/>
-          </a:fontRef>
-        </p:style>
-        <p:txBody>
-          <a:bodyPr rot="0" spcFirstLastPara="0" vertOverflow="overflow" horzOverflow="overflow" vert="horz" wrap="square" lIns="91440" tIns="45720" rIns="91440" bIns="45720" numCol="1" spcCol="0" rtlCol="0" fromWordArt="0" anchor="ctr" anchorCtr="0" forceAA="0" compatLnSpc="1">
-            <a:prstTxWarp prst="textNoShape">
-              <a:avLst/>
-            </a:prstTxWarp>
-            <a:noAutofit/>
-          </a:bodyPr>
-          <a:lstStyle/>
-          <a:p>
-            <a:pPr algn="ctr"/>
-            <a:r>
-              <a:rPr lang="zh-CN" altLang="en-US" dirty="0" smtClean="0"/>
-              <a:t>查询借阅情况</a:t>
-            </a:r>
-            <a:endParaRPr lang="zh-CN" altLang="en-US" dirty="0"/>
-          </a:p>
-        </p:txBody>
-      </p:sp>
-      <p:sp>
-        <p:nvSpPr>
-          <p:cNvPr id="39" name="椭圆 38"/>
-          <p:cNvSpPr/>
-          <p:nvPr/>
-        </p:nvSpPr>
-        <p:spPr>
-          <a:xfrm>
-            <a:off x="4958019" y="4438202"/>
-            <a:ext cx="1572664" cy="529701"/>
-          </a:xfrm>
-          <a:prstGeom prst="ellipse">
-            <a:avLst/>
-          </a:prstGeom>
-          <a:noFill/>
-        </p:spPr>
-        <p:style>
-          <a:lnRef idx="2">
-            <a:schemeClr val="dk1"/>
-          </a:lnRef>
-          <a:fillRef idx="1">
-            <a:schemeClr val="lt1"/>
-          </a:fillRef>
-          <a:effectRef idx="0">
-            <a:schemeClr val="dk1"/>
-          </a:effectRef>
-          <a:fontRef idx="minor">
-            <a:schemeClr val="dk1"/>
-          </a:fontRef>
-        </p:style>
-        <p:txBody>
-          <a:bodyPr rot="0" spcFirstLastPara="0" vertOverflow="overflow" horzOverflow="overflow" vert="horz" wrap="square" lIns="91440" tIns="45720" rIns="91440" bIns="45720" numCol="1" spcCol="0" rtlCol="0" fromWordArt="0" anchor="ctr" anchorCtr="0" forceAA="0" compatLnSpc="1">
-            <a:prstTxWarp prst="textNoShape">
-              <a:avLst/>
-            </a:prstTxWarp>
-            <a:noAutofit/>
-          </a:bodyPr>
-          <a:lstStyle/>
-          <a:p>
-            <a:pPr algn="ctr"/>
-            <a:r>
-              <a:rPr lang="zh-CN" altLang="en-US" dirty="0" smtClean="0"/>
-              <a:t>预定图书</a:t>
-            </a:r>
-            <a:endParaRPr lang="zh-CN" altLang="en-US" dirty="0"/>
-          </a:p>
-        </p:txBody>
-      </p:sp>
-      <p:sp>
-        <p:nvSpPr>
-          <p:cNvPr id="40" name="椭圆 39"/>
-          <p:cNvSpPr/>
-          <p:nvPr/>
-        </p:nvSpPr>
-        <p:spPr>
-          <a:xfrm>
-            <a:off x="4988388" y="5126698"/>
-            <a:ext cx="1572664" cy="529701"/>
-          </a:xfrm>
-          <a:prstGeom prst="ellipse">
-            <a:avLst/>
-          </a:prstGeom>
-          <a:noFill/>
-        </p:spPr>
-        <p:style>
-          <a:lnRef idx="2">
-            <a:schemeClr val="dk1"/>
-          </a:lnRef>
-          <a:fillRef idx="1">
-            <a:schemeClr val="lt1"/>
-          </a:fillRef>
-          <a:effectRef idx="0">
-            <a:schemeClr val="dk1"/>
-          </a:effectRef>
-          <a:fontRef idx="minor">
-            <a:schemeClr val="dk1"/>
-          </a:fontRef>
-        </p:style>
-        <p:txBody>
-          <a:bodyPr rot="0" spcFirstLastPara="0" vertOverflow="overflow" horzOverflow="overflow" vert="horz" wrap="square" lIns="91440" tIns="45720" rIns="91440" bIns="45720" numCol="1" spcCol="0" rtlCol="0" fromWordArt="0" anchor="ctr" anchorCtr="0" forceAA="0" compatLnSpc="1">
-            <a:prstTxWarp prst="textNoShape">
-              <a:avLst/>
-            </a:prstTxWarp>
-            <a:noAutofit/>
-          </a:bodyPr>
-          <a:lstStyle/>
-          <a:p>
-            <a:pPr algn="ctr"/>
-            <a:r>
-              <a:rPr lang="zh-CN" altLang="en-US" dirty="0" smtClean="0"/>
-              <a:t>取消预定图书</a:t>
-            </a:r>
             <a:endParaRPr lang="zh-CN" altLang="en-US" dirty="0"/>
           </a:p>
         </p:txBody>
@@ -13985,14 +15162,14 @@
         <p:nvCxnSpPr>
           <p:cNvPr id="41" name="直接箭头连接符 40"/>
           <p:cNvCxnSpPr>
-            <a:endCxn id="24" idx="2"/>
+            <a:stCxn id="13" idx="3"/>
           </p:cNvCxnSpPr>
           <p:nvPr/>
         </p:nvCxnSpPr>
         <p:spPr>
-          <a:xfrm flipV="1">
-            <a:off x="2013965" y="4020634"/>
-            <a:ext cx="1162863" cy="478933"/>
+          <a:xfrm>
+            <a:off x="5495870" y="3810938"/>
+            <a:ext cx="1290208" cy="44604"/>
           </a:xfrm>
           <a:prstGeom prst="straightConnector1">
             <a:avLst/>
@@ -14020,14 +15197,542 @@
         <p:nvCxnSpPr>
           <p:cNvPr id="42" name="直接箭头连接符 41"/>
           <p:cNvCxnSpPr>
-            <a:endCxn id="25" idx="2"/>
+            <a:stCxn id="13" idx="3"/>
+            <a:endCxn id="40" idx="2"/>
           </p:cNvCxnSpPr>
           <p:nvPr/>
         </p:nvCxnSpPr>
         <p:spPr>
           <a:xfrm>
-            <a:off x="2027946" y="4499567"/>
-            <a:ext cx="1213713" cy="227234"/>
+            <a:off x="5495870" y="3810938"/>
+            <a:ext cx="1470701" cy="838566"/>
+          </a:xfrm>
+          <a:prstGeom prst="straightConnector1">
+            <a:avLst/>
+          </a:prstGeom>
+          <a:ln>
+            <a:tailEnd type="triangle"/>
+          </a:ln>
+        </p:spPr>
+        <p:style>
+          <a:lnRef idx="1">
+            <a:schemeClr val="accent1"/>
+          </a:lnRef>
+          <a:fillRef idx="0">
+            <a:schemeClr val="accent1"/>
+          </a:fillRef>
+          <a:effectRef idx="0">
+            <a:schemeClr val="accent1"/>
+          </a:effectRef>
+          <a:fontRef idx="minor">
+            <a:schemeClr val="tx1"/>
+          </a:fontRef>
+        </p:style>
+      </p:cxnSp>
+      <p:grpSp>
+        <p:nvGrpSpPr>
+          <p:cNvPr id="43" name="组合 42"/>
+          <p:cNvGrpSpPr/>
+          <p:nvPr/>
+        </p:nvGrpSpPr>
+        <p:grpSpPr>
+          <a:xfrm>
+            <a:off x="259646" y="3068180"/>
+            <a:ext cx="936104" cy="993741"/>
+            <a:chOff x="2483768" y="3573016"/>
+            <a:chExt cx="936104" cy="993741"/>
+          </a:xfrm>
+        </p:grpSpPr>
+        <p:sp>
+          <p:nvSpPr>
+            <p:cNvPr id="44" name="椭圆 43"/>
+            <p:cNvSpPr/>
+            <p:nvPr/>
+          </p:nvSpPr>
+          <p:spPr>
+            <a:xfrm>
+              <a:off x="2890234" y="3573016"/>
+              <a:ext cx="236869" cy="236868"/>
+            </a:xfrm>
+            <a:prstGeom prst="ellipse">
+              <a:avLst/>
+            </a:prstGeom>
+            <a:noFill/>
+            <a:ln w="9525"/>
+          </p:spPr>
+          <p:style>
+            <a:lnRef idx="2">
+              <a:schemeClr val="dk1"/>
+            </a:lnRef>
+            <a:fillRef idx="1">
+              <a:schemeClr val="lt1"/>
+            </a:fillRef>
+            <a:effectRef idx="0">
+              <a:schemeClr val="dk1"/>
+            </a:effectRef>
+            <a:fontRef idx="minor">
+              <a:schemeClr val="dk1"/>
+            </a:fontRef>
+          </p:style>
+          <p:txBody>
+            <a:bodyPr rtlCol="0" anchor="ctr"/>
+            <a:lstStyle/>
+            <a:p>
+              <a:pPr algn="ctr"/>
+              <a:endParaRPr lang="zh-CN" altLang="en-US"/>
+            </a:p>
+          </p:txBody>
+        </p:sp>
+        <p:grpSp>
+          <p:nvGrpSpPr>
+            <p:cNvPr id="45" name="组合 44"/>
+            <p:cNvGrpSpPr/>
+            <p:nvPr/>
+          </p:nvGrpSpPr>
+          <p:grpSpPr>
+            <a:xfrm>
+              <a:off x="2771800" y="3809885"/>
+              <a:ext cx="473738" cy="411204"/>
+              <a:chOff x="2771800" y="3809884"/>
+              <a:chExt cx="473738" cy="513215"/>
+            </a:xfrm>
+          </p:grpSpPr>
+          <p:cxnSp>
+            <p:nvCxnSpPr>
+              <p:cNvPr id="47" name="直接连接符 46"/>
+              <p:cNvCxnSpPr/>
+              <p:nvPr/>
+            </p:nvCxnSpPr>
+            <p:spPr>
+              <a:xfrm>
+                <a:off x="2771800" y="3888840"/>
+                <a:ext cx="434259" cy="0"/>
+              </a:xfrm>
+              <a:prstGeom prst="line">
+                <a:avLst/>
+              </a:prstGeom>
+              <a:ln w="9525"/>
+            </p:spPr>
+            <p:style>
+              <a:lnRef idx="1">
+                <a:schemeClr val="accent1"/>
+              </a:lnRef>
+              <a:fillRef idx="0">
+                <a:schemeClr val="accent1"/>
+              </a:fillRef>
+              <a:effectRef idx="0">
+                <a:schemeClr val="accent1"/>
+              </a:effectRef>
+              <a:fontRef idx="minor">
+                <a:schemeClr val="tx1"/>
+              </a:fontRef>
+            </p:style>
+          </p:cxnSp>
+          <p:cxnSp>
+            <p:nvCxnSpPr>
+              <p:cNvPr id="48" name="直接连接符 47"/>
+              <p:cNvCxnSpPr>
+                <a:stCxn id="44" idx="4"/>
+              </p:cNvCxnSpPr>
+              <p:nvPr/>
+            </p:nvCxnSpPr>
+            <p:spPr>
+              <a:xfrm>
+                <a:off x="3008669" y="3809884"/>
+                <a:ext cx="0" cy="276346"/>
+              </a:xfrm>
+              <a:prstGeom prst="line">
+                <a:avLst/>
+              </a:prstGeom>
+              <a:ln w="9525"/>
+            </p:spPr>
+            <p:style>
+              <a:lnRef idx="1">
+                <a:schemeClr val="accent1"/>
+              </a:lnRef>
+              <a:fillRef idx="0">
+                <a:schemeClr val="accent1"/>
+              </a:fillRef>
+              <a:effectRef idx="0">
+                <a:schemeClr val="accent1"/>
+              </a:effectRef>
+              <a:fontRef idx="minor">
+                <a:schemeClr val="tx1"/>
+              </a:fontRef>
+            </p:style>
+          </p:cxnSp>
+          <p:cxnSp>
+            <p:nvCxnSpPr>
+              <p:cNvPr id="49" name="直接连接符 48"/>
+              <p:cNvCxnSpPr/>
+              <p:nvPr/>
+            </p:nvCxnSpPr>
+            <p:spPr>
+              <a:xfrm flipH="1">
+                <a:off x="2771800" y="4086231"/>
+                <a:ext cx="236869" cy="236868"/>
+              </a:xfrm>
+              <a:prstGeom prst="line">
+                <a:avLst/>
+              </a:prstGeom>
+              <a:ln w="9525"/>
+            </p:spPr>
+            <p:style>
+              <a:lnRef idx="1">
+                <a:schemeClr val="accent1"/>
+              </a:lnRef>
+              <a:fillRef idx="0">
+                <a:schemeClr val="accent1"/>
+              </a:fillRef>
+              <a:effectRef idx="0">
+                <a:schemeClr val="accent1"/>
+              </a:effectRef>
+              <a:fontRef idx="minor">
+                <a:schemeClr val="tx1"/>
+              </a:fontRef>
+            </p:style>
+          </p:cxnSp>
+          <p:cxnSp>
+            <p:nvCxnSpPr>
+              <p:cNvPr id="50" name="直接连接符 49"/>
+              <p:cNvCxnSpPr/>
+              <p:nvPr/>
+            </p:nvCxnSpPr>
+            <p:spPr>
+              <a:xfrm>
+                <a:off x="3008669" y="4086231"/>
+                <a:ext cx="236869" cy="236868"/>
+              </a:xfrm>
+              <a:prstGeom prst="line">
+                <a:avLst/>
+              </a:prstGeom>
+              <a:ln w="9525"/>
+            </p:spPr>
+            <p:style>
+              <a:lnRef idx="1">
+                <a:schemeClr val="accent1"/>
+              </a:lnRef>
+              <a:fillRef idx="0">
+                <a:schemeClr val="accent1"/>
+              </a:fillRef>
+              <a:effectRef idx="0">
+                <a:schemeClr val="accent1"/>
+              </a:effectRef>
+              <a:fontRef idx="minor">
+                <a:schemeClr val="tx1"/>
+              </a:fontRef>
+            </p:style>
+          </p:cxnSp>
+        </p:grpSp>
+        <p:sp>
+          <p:nvSpPr>
+            <p:cNvPr id="46" name="文本框 45"/>
+            <p:cNvSpPr txBox="1"/>
+            <p:nvPr/>
+          </p:nvSpPr>
+          <p:spPr>
+            <a:xfrm>
+              <a:off x="2483768" y="4197425"/>
+              <a:ext cx="936104" cy="369332"/>
+            </a:xfrm>
+            <a:prstGeom prst="rect">
+              <a:avLst/>
+            </a:prstGeom>
+            <a:noFill/>
+          </p:spPr>
+          <p:txBody>
+            <a:bodyPr wrap="square" rtlCol="0">
+              <a:spAutoFit/>
+            </a:bodyPr>
+            <a:lstStyle/>
+            <a:p>
+              <a:pPr algn="ctr"/>
+              <a:r>
+                <a:rPr lang="zh-CN" altLang="en-US" dirty="0"/>
+                <a:t>收银员</a:t>
+              </a:r>
+            </a:p>
+          </p:txBody>
+        </p:sp>
+      </p:grpSp>
+      <p:grpSp>
+        <p:nvGrpSpPr>
+          <p:cNvPr id="51" name="组合 50"/>
+          <p:cNvGrpSpPr/>
+          <p:nvPr/>
+        </p:nvGrpSpPr>
+        <p:grpSpPr>
+          <a:xfrm>
+            <a:off x="259646" y="5211135"/>
+            <a:ext cx="936104" cy="1270740"/>
+            <a:chOff x="2498928" y="3573016"/>
+            <a:chExt cx="936104" cy="1270740"/>
+          </a:xfrm>
+        </p:grpSpPr>
+        <p:sp>
+          <p:nvSpPr>
+            <p:cNvPr id="52" name="椭圆 51"/>
+            <p:cNvSpPr/>
+            <p:nvPr/>
+          </p:nvSpPr>
+          <p:spPr>
+            <a:xfrm>
+              <a:off x="2890234" y="3573016"/>
+              <a:ext cx="236869" cy="236868"/>
+            </a:xfrm>
+            <a:prstGeom prst="ellipse">
+              <a:avLst/>
+            </a:prstGeom>
+            <a:noFill/>
+            <a:ln w="9525"/>
+          </p:spPr>
+          <p:style>
+            <a:lnRef idx="2">
+              <a:schemeClr val="dk1"/>
+            </a:lnRef>
+            <a:fillRef idx="1">
+              <a:schemeClr val="lt1"/>
+            </a:fillRef>
+            <a:effectRef idx="0">
+              <a:schemeClr val="dk1"/>
+            </a:effectRef>
+            <a:fontRef idx="minor">
+              <a:schemeClr val="dk1"/>
+            </a:fontRef>
+          </p:style>
+          <p:txBody>
+            <a:bodyPr rtlCol="0" anchor="ctr"/>
+            <a:lstStyle/>
+            <a:p>
+              <a:pPr algn="ctr"/>
+              <a:endParaRPr lang="zh-CN" altLang="en-US"/>
+            </a:p>
+          </p:txBody>
+        </p:sp>
+        <p:grpSp>
+          <p:nvGrpSpPr>
+            <p:cNvPr id="53" name="组合 52"/>
+            <p:cNvGrpSpPr/>
+            <p:nvPr/>
+          </p:nvGrpSpPr>
+          <p:grpSpPr>
+            <a:xfrm>
+              <a:off x="2771800" y="3809885"/>
+              <a:ext cx="473738" cy="411204"/>
+              <a:chOff x="2771800" y="3809884"/>
+              <a:chExt cx="473738" cy="513215"/>
+            </a:xfrm>
+          </p:grpSpPr>
+          <p:cxnSp>
+            <p:nvCxnSpPr>
+              <p:cNvPr id="55" name="直接连接符 54"/>
+              <p:cNvCxnSpPr/>
+              <p:nvPr/>
+            </p:nvCxnSpPr>
+            <p:spPr>
+              <a:xfrm>
+                <a:off x="2771800" y="3888840"/>
+                <a:ext cx="434259" cy="0"/>
+              </a:xfrm>
+              <a:prstGeom prst="line">
+                <a:avLst/>
+              </a:prstGeom>
+              <a:ln w="9525"/>
+            </p:spPr>
+            <p:style>
+              <a:lnRef idx="1">
+                <a:schemeClr val="accent1"/>
+              </a:lnRef>
+              <a:fillRef idx="0">
+                <a:schemeClr val="accent1"/>
+              </a:fillRef>
+              <a:effectRef idx="0">
+                <a:schemeClr val="accent1"/>
+              </a:effectRef>
+              <a:fontRef idx="minor">
+                <a:schemeClr val="tx1"/>
+              </a:fontRef>
+            </p:style>
+          </p:cxnSp>
+          <p:cxnSp>
+            <p:nvCxnSpPr>
+              <p:cNvPr id="56" name="直接连接符 55"/>
+              <p:cNvCxnSpPr>
+                <a:stCxn id="52" idx="4"/>
+              </p:cNvCxnSpPr>
+              <p:nvPr/>
+            </p:nvCxnSpPr>
+            <p:spPr>
+              <a:xfrm>
+                <a:off x="3008669" y="3809884"/>
+                <a:ext cx="0" cy="276346"/>
+              </a:xfrm>
+              <a:prstGeom prst="line">
+                <a:avLst/>
+              </a:prstGeom>
+              <a:ln w="9525"/>
+            </p:spPr>
+            <p:style>
+              <a:lnRef idx="1">
+                <a:schemeClr val="accent1"/>
+              </a:lnRef>
+              <a:fillRef idx="0">
+                <a:schemeClr val="accent1"/>
+              </a:fillRef>
+              <a:effectRef idx="0">
+                <a:schemeClr val="accent1"/>
+              </a:effectRef>
+              <a:fontRef idx="minor">
+                <a:schemeClr val="tx1"/>
+              </a:fontRef>
+            </p:style>
+          </p:cxnSp>
+          <p:cxnSp>
+            <p:nvCxnSpPr>
+              <p:cNvPr id="57" name="直接连接符 56"/>
+              <p:cNvCxnSpPr/>
+              <p:nvPr/>
+            </p:nvCxnSpPr>
+            <p:spPr>
+              <a:xfrm flipH="1">
+                <a:off x="2771800" y="4086231"/>
+                <a:ext cx="236869" cy="236868"/>
+              </a:xfrm>
+              <a:prstGeom prst="line">
+                <a:avLst/>
+              </a:prstGeom>
+              <a:ln w="9525"/>
+            </p:spPr>
+            <p:style>
+              <a:lnRef idx="1">
+                <a:schemeClr val="accent1"/>
+              </a:lnRef>
+              <a:fillRef idx="0">
+                <a:schemeClr val="accent1"/>
+              </a:fillRef>
+              <a:effectRef idx="0">
+                <a:schemeClr val="accent1"/>
+              </a:effectRef>
+              <a:fontRef idx="minor">
+                <a:schemeClr val="tx1"/>
+              </a:fontRef>
+            </p:style>
+          </p:cxnSp>
+          <p:cxnSp>
+            <p:nvCxnSpPr>
+              <p:cNvPr id="58" name="直接连接符 57"/>
+              <p:cNvCxnSpPr/>
+              <p:nvPr/>
+            </p:nvCxnSpPr>
+            <p:spPr>
+              <a:xfrm>
+                <a:off x="3008669" y="4086231"/>
+                <a:ext cx="236869" cy="236868"/>
+              </a:xfrm>
+              <a:prstGeom prst="line">
+                <a:avLst/>
+              </a:prstGeom>
+              <a:ln w="9525"/>
+            </p:spPr>
+            <p:style>
+              <a:lnRef idx="1">
+                <a:schemeClr val="accent1"/>
+              </a:lnRef>
+              <a:fillRef idx="0">
+                <a:schemeClr val="accent1"/>
+              </a:fillRef>
+              <a:effectRef idx="0">
+                <a:schemeClr val="accent1"/>
+              </a:effectRef>
+              <a:fontRef idx="minor">
+                <a:schemeClr val="tx1"/>
+              </a:fontRef>
+            </p:style>
+          </p:cxnSp>
+        </p:grpSp>
+        <p:sp>
+          <p:nvSpPr>
+            <p:cNvPr id="54" name="文本框 53"/>
+            <p:cNvSpPr txBox="1"/>
+            <p:nvPr/>
+          </p:nvSpPr>
+          <p:spPr>
+            <a:xfrm>
+              <a:off x="2498928" y="4197425"/>
+              <a:ext cx="936104" cy="646331"/>
+            </a:xfrm>
+            <a:prstGeom prst="rect">
+              <a:avLst/>
+            </a:prstGeom>
+            <a:noFill/>
+          </p:spPr>
+          <p:txBody>
+            <a:bodyPr wrap="square" rtlCol="0">
+              <a:spAutoFit/>
+            </a:bodyPr>
+            <a:lstStyle/>
+            <a:p>
+              <a:pPr algn="ctr"/>
+              <a:r>
+                <a:rPr lang="zh-CN" altLang="en-US" dirty="0" smtClean="0"/>
+                <a:t>值班经理</a:t>
+              </a:r>
+              <a:endParaRPr lang="zh-CN" altLang="en-US" dirty="0"/>
+            </a:p>
+          </p:txBody>
+        </p:sp>
+      </p:grpSp>
+      <p:sp>
+        <p:nvSpPr>
+          <p:cNvPr id="59" name="矩形 58"/>
+          <p:cNvSpPr/>
+          <p:nvPr/>
+        </p:nvSpPr>
+        <p:spPr>
+          <a:xfrm>
+            <a:off x="2178029" y="2919253"/>
+            <a:ext cx="2114065" cy="3176402"/>
+          </a:xfrm>
+          <a:prstGeom prst="rect">
+            <a:avLst/>
+          </a:prstGeom>
+          <a:noFill/>
+        </p:spPr>
+        <p:style>
+          <a:lnRef idx="2">
+            <a:schemeClr val="dk1"/>
+          </a:lnRef>
+          <a:fillRef idx="1">
+            <a:schemeClr val="lt1"/>
+          </a:fillRef>
+          <a:effectRef idx="0">
+            <a:schemeClr val="dk1"/>
+          </a:effectRef>
+          <a:fontRef idx="minor">
+            <a:schemeClr val="dk1"/>
+          </a:fontRef>
+        </p:style>
+        <p:txBody>
+          <a:bodyPr rtlCol="0" anchor="ctr"/>
+          <a:lstStyle/>
+          <a:p>
+            <a:pPr algn="ctr"/>
+            <a:endParaRPr lang="zh-CN" altLang="en-US" dirty="0"/>
+          </a:p>
+        </p:txBody>
+      </p:sp>
+      <p:cxnSp>
+        <p:nvCxnSpPr>
+          <p:cNvPr id="60" name="直接箭头连接符 59"/>
+          <p:cNvCxnSpPr>
+            <a:stCxn id="46" idx="3"/>
+          </p:cNvCxnSpPr>
+          <p:nvPr/>
+        </p:nvCxnSpPr>
+        <p:spPr>
+          <a:xfrm flipV="1">
+            <a:off x="1195750" y="3368311"/>
+            <a:ext cx="1211252" cy="508944"/>
           </a:xfrm>
           <a:prstGeom prst="straightConnector1">
             <a:avLst/>
@@ -14053,16 +15758,227 @@
       </p:cxnSp>
       <p:cxnSp>
         <p:nvCxnSpPr>
-          <p:cNvPr id="43" name="直接箭头连接符 42"/>
+          <p:cNvPr id="61" name="直接箭头连接符 60"/>
           <p:cNvCxnSpPr>
-            <a:endCxn id="26" idx="2"/>
+            <a:endCxn id="63" idx="2"/>
+          </p:cNvCxnSpPr>
+          <p:nvPr/>
+        </p:nvCxnSpPr>
+        <p:spPr>
+          <a:xfrm flipV="1">
+            <a:off x="1241925" y="5718428"/>
+            <a:ext cx="1383512" cy="105860"/>
+          </a:xfrm>
+          <a:prstGeom prst="straightConnector1">
+            <a:avLst/>
+          </a:prstGeom>
+          <a:ln>
+            <a:tailEnd type="triangle"/>
+          </a:ln>
+        </p:spPr>
+        <p:style>
+          <a:lnRef idx="1">
+            <a:schemeClr val="accent1"/>
+          </a:lnRef>
+          <a:fillRef idx="0">
+            <a:schemeClr val="accent1"/>
+          </a:fillRef>
+          <a:effectRef idx="0">
+            <a:schemeClr val="accent1"/>
+          </a:effectRef>
+          <a:fontRef idx="minor">
+            <a:schemeClr val="tx1"/>
+          </a:fontRef>
+        </p:style>
+      </p:cxnSp>
+      <p:sp>
+        <p:nvSpPr>
+          <p:cNvPr id="62" name="椭圆 61"/>
+          <p:cNvSpPr/>
+          <p:nvPr/>
+        </p:nvSpPr>
+        <p:spPr>
+          <a:xfrm>
+            <a:off x="2620501" y="3723205"/>
+            <a:ext cx="1311553" cy="563951"/>
+          </a:xfrm>
+          <a:prstGeom prst="ellipse">
+            <a:avLst/>
+          </a:prstGeom>
+          <a:noFill/>
+        </p:spPr>
+        <p:style>
+          <a:lnRef idx="2">
+            <a:schemeClr val="dk1"/>
+          </a:lnRef>
+          <a:fillRef idx="1">
+            <a:schemeClr val="lt1"/>
+          </a:fillRef>
+          <a:effectRef idx="0">
+            <a:schemeClr val="dk1"/>
+          </a:effectRef>
+          <a:fontRef idx="minor">
+            <a:schemeClr val="dk1"/>
+          </a:fontRef>
+        </p:style>
+        <p:txBody>
+          <a:bodyPr rot="0" spcFirstLastPara="0" vertOverflow="overflow" horzOverflow="overflow" vert="horz" wrap="square" lIns="91440" tIns="45720" rIns="91440" bIns="45720" numCol="1" spcCol="0" rtlCol="0" fromWordArt="0" anchor="ctr" anchorCtr="0" forceAA="0" compatLnSpc="1">
+            <a:prstTxWarp prst="textNoShape">
+              <a:avLst/>
+            </a:prstTxWarp>
+            <a:noAutofit/>
+          </a:bodyPr>
+          <a:lstStyle/>
+          <a:p>
+            <a:pPr algn="ctr"/>
+            <a:endParaRPr lang="zh-CN" altLang="en-US" dirty="0"/>
+          </a:p>
+        </p:txBody>
+      </p:sp>
+      <p:sp>
+        <p:nvSpPr>
+          <p:cNvPr id="63" name="椭圆 62"/>
+          <p:cNvSpPr/>
+          <p:nvPr/>
+        </p:nvSpPr>
+        <p:spPr>
+          <a:xfrm>
+            <a:off x="2625437" y="5448003"/>
+            <a:ext cx="1311553" cy="540850"/>
+          </a:xfrm>
+          <a:prstGeom prst="ellipse">
+            <a:avLst/>
+          </a:prstGeom>
+          <a:noFill/>
+        </p:spPr>
+        <p:style>
+          <a:lnRef idx="2">
+            <a:schemeClr val="dk1"/>
+          </a:lnRef>
+          <a:fillRef idx="1">
+            <a:schemeClr val="lt1"/>
+          </a:fillRef>
+          <a:effectRef idx="0">
+            <a:schemeClr val="dk1"/>
+          </a:effectRef>
+          <a:fontRef idx="minor">
+            <a:schemeClr val="dk1"/>
+          </a:fontRef>
+        </p:style>
+        <p:txBody>
+          <a:bodyPr rot="0" spcFirstLastPara="0" vertOverflow="overflow" horzOverflow="overflow" vert="horz" wrap="square" lIns="91440" tIns="45720" rIns="91440" bIns="45720" numCol="1" spcCol="0" rtlCol="0" fromWordArt="0" anchor="ctr" anchorCtr="0" forceAA="0" compatLnSpc="1">
+            <a:prstTxWarp prst="textNoShape">
+              <a:avLst/>
+            </a:prstTxWarp>
+            <a:noAutofit/>
+          </a:bodyPr>
+          <a:lstStyle/>
+          <a:p>
+            <a:pPr algn="ctr"/>
+            <a:endParaRPr lang="zh-CN" altLang="en-US" dirty="0"/>
+          </a:p>
+        </p:txBody>
+      </p:sp>
+      <p:sp>
+        <p:nvSpPr>
+          <p:cNvPr id="67" name="椭圆 66"/>
+          <p:cNvSpPr/>
+          <p:nvPr/>
+        </p:nvSpPr>
+        <p:spPr>
+          <a:xfrm>
+            <a:off x="2579285" y="3067417"/>
+            <a:ext cx="1352769" cy="563951"/>
+          </a:xfrm>
+          <a:prstGeom prst="ellipse">
+            <a:avLst/>
+          </a:prstGeom>
+          <a:noFill/>
+        </p:spPr>
+        <p:style>
+          <a:lnRef idx="2">
+            <a:schemeClr val="dk1"/>
+          </a:lnRef>
+          <a:fillRef idx="1">
+            <a:schemeClr val="lt1"/>
+          </a:fillRef>
+          <a:effectRef idx="0">
+            <a:schemeClr val="dk1"/>
+          </a:effectRef>
+          <a:fontRef idx="minor">
+            <a:schemeClr val="dk1"/>
+          </a:fontRef>
+        </p:style>
+        <p:txBody>
+          <a:bodyPr rot="0" spcFirstLastPara="0" vertOverflow="overflow" horzOverflow="overflow" vert="horz" wrap="square" lIns="91440" tIns="45720" rIns="91440" bIns="45720" numCol="1" spcCol="0" rtlCol="0" fromWordArt="0" anchor="ctr" anchorCtr="0" forceAA="0" compatLnSpc="1">
+            <a:prstTxWarp prst="textNoShape">
+              <a:avLst/>
+            </a:prstTxWarp>
+            <a:noAutofit/>
+          </a:bodyPr>
+          <a:lstStyle/>
+          <a:p>
+            <a:pPr algn="ctr"/>
+            <a:endParaRPr lang="zh-CN" altLang="en-US" dirty="0"/>
+          </a:p>
+        </p:txBody>
+      </p:sp>
+      <p:sp>
+        <p:nvSpPr>
+          <p:cNvPr id="68" name="椭圆 67"/>
+          <p:cNvSpPr/>
+          <p:nvPr/>
+        </p:nvSpPr>
+        <p:spPr>
+          <a:xfrm>
+            <a:off x="2666451" y="4445396"/>
+            <a:ext cx="1311553" cy="540850"/>
+          </a:xfrm>
+          <a:prstGeom prst="ellipse">
+            <a:avLst/>
+          </a:prstGeom>
+          <a:noFill/>
+        </p:spPr>
+        <p:style>
+          <a:lnRef idx="2">
+            <a:schemeClr val="dk1"/>
+          </a:lnRef>
+          <a:fillRef idx="1">
+            <a:schemeClr val="lt1"/>
+          </a:fillRef>
+          <a:effectRef idx="0">
+            <a:schemeClr val="dk1"/>
+          </a:effectRef>
+          <a:fontRef idx="minor">
+            <a:schemeClr val="dk1"/>
+          </a:fontRef>
+        </p:style>
+        <p:txBody>
+          <a:bodyPr rot="0" spcFirstLastPara="0" vertOverflow="overflow" horzOverflow="overflow" vert="horz" wrap="square" lIns="91440" tIns="45720" rIns="91440" bIns="45720" numCol="1" spcCol="0" rtlCol="0" fromWordArt="0" anchor="ctr" anchorCtr="0" forceAA="0" compatLnSpc="1">
+            <a:prstTxWarp prst="textNoShape">
+              <a:avLst/>
+            </a:prstTxWarp>
+            <a:noAutofit/>
+          </a:bodyPr>
+          <a:lstStyle/>
+          <a:p>
+            <a:pPr algn="ctr"/>
+            <a:endParaRPr lang="zh-CN" altLang="en-US" dirty="0"/>
+          </a:p>
+        </p:txBody>
+      </p:sp>
+      <p:cxnSp>
+        <p:nvCxnSpPr>
+          <p:cNvPr id="69" name="直接箭头连接符 68"/>
+          <p:cNvCxnSpPr>
+            <a:stCxn id="46" idx="3"/>
           </p:cNvCxnSpPr>
           <p:nvPr/>
         </p:nvCxnSpPr>
         <p:spPr>
           <a:xfrm>
-            <a:off x="2027946" y="4499567"/>
-            <a:ext cx="1218322" cy="919903"/>
+            <a:off x="1195750" y="3877255"/>
+            <a:ext cx="1290208" cy="44604"/>
           </a:xfrm>
           <a:prstGeom prst="straightConnector1">
             <a:avLst/>
@@ -14088,16 +16004,17 @@
       </p:cxnSp>
       <p:cxnSp>
         <p:nvCxnSpPr>
-          <p:cNvPr id="49" name="直接箭头连接符 48"/>
+          <p:cNvPr id="70" name="直接箭头连接符 69"/>
           <p:cNvCxnSpPr>
-            <a:endCxn id="40" idx="6"/>
+            <a:stCxn id="46" idx="3"/>
+            <a:endCxn id="68" idx="2"/>
           </p:cNvCxnSpPr>
           <p:nvPr/>
         </p:nvCxnSpPr>
         <p:spPr>
-          <a:xfrm flipH="1">
-            <a:off x="6561052" y="4462180"/>
-            <a:ext cx="937762" cy="929369"/>
+          <a:xfrm>
+            <a:off x="1195750" y="3877255"/>
+            <a:ext cx="1470701" cy="838566"/>
           </a:xfrm>
           <a:prstGeom prst="straightConnector1">
             <a:avLst/>
@@ -14123,16 +16040,16 @@
       </p:cxnSp>
       <p:cxnSp>
         <p:nvCxnSpPr>
-          <p:cNvPr id="50" name="直接箭头连接符 49"/>
+          <p:cNvPr id="71" name="直接箭头连接符 70"/>
           <p:cNvCxnSpPr>
-            <a:endCxn id="39" idx="6"/>
+            <a:endCxn id="62" idx="2"/>
           </p:cNvCxnSpPr>
           <p:nvPr/>
         </p:nvCxnSpPr>
         <p:spPr>
-          <a:xfrm flipH="1">
-            <a:off x="6530683" y="4461950"/>
-            <a:ext cx="944205" cy="241103"/>
+          <a:xfrm flipV="1">
+            <a:off x="1330293" y="4005181"/>
+            <a:ext cx="1290208" cy="1787710"/>
           </a:xfrm>
           <a:prstGeom prst="straightConnector1">
             <a:avLst/>
@@ -14158,16 +16075,14 @@
       </p:cxnSp>
       <p:cxnSp>
         <p:nvCxnSpPr>
-          <p:cNvPr id="51" name="直接箭头连接符 50"/>
-          <p:cNvCxnSpPr>
-            <a:endCxn id="37" idx="6"/>
-          </p:cNvCxnSpPr>
+          <p:cNvPr id="72" name="直接箭头连接符 71"/>
+          <p:cNvCxnSpPr/>
           <p:nvPr/>
         </p:nvCxnSpPr>
         <p:spPr>
-          <a:xfrm flipH="1" flipV="1">
-            <a:off x="6528201" y="4044930"/>
-            <a:ext cx="924907" cy="430972"/>
+          <a:xfrm flipV="1">
+            <a:off x="1278600" y="4756898"/>
+            <a:ext cx="1280910" cy="1049643"/>
           </a:xfrm>
           <a:prstGeom prst="straightConnector1">
             <a:avLst/>
@@ -14191,10 +16106,75 @@
           </a:fontRef>
         </p:style>
       </p:cxnSp>
+      <p:cxnSp>
+        <p:nvCxnSpPr>
+          <p:cNvPr id="73" name="直接箭头连接符 72"/>
+          <p:cNvCxnSpPr>
+            <a:endCxn id="67" idx="2"/>
+          </p:cNvCxnSpPr>
+          <p:nvPr/>
+        </p:nvCxnSpPr>
+        <p:spPr>
+          <a:xfrm flipV="1">
+            <a:off x="1269897" y="3349393"/>
+            <a:ext cx="1309388" cy="2474895"/>
+          </a:xfrm>
+          <a:prstGeom prst="straightConnector1">
+            <a:avLst/>
+          </a:prstGeom>
+          <a:ln>
+            <a:tailEnd type="triangle"/>
+          </a:ln>
+        </p:spPr>
+        <p:style>
+          <a:lnRef idx="1">
+            <a:schemeClr val="accent1"/>
+          </a:lnRef>
+          <a:fillRef idx="0">
+            <a:schemeClr val="accent1"/>
+          </a:fillRef>
+          <a:effectRef idx="0">
+            <a:schemeClr val="accent1"/>
+          </a:effectRef>
+          <a:fontRef idx="minor">
+            <a:schemeClr val="tx1"/>
+          </a:fontRef>
+        </p:style>
+      </p:cxnSp>
+      <p:cxnSp>
+        <p:nvCxnSpPr>
+          <p:cNvPr id="78" name="直接连接符 77"/>
+          <p:cNvCxnSpPr/>
+          <p:nvPr/>
+        </p:nvCxnSpPr>
+        <p:spPr>
+          <a:xfrm>
+            <a:off x="4559766" y="2132856"/>
+            <a:ext cx="0" cy="4725144"/>
+          </a:xfrm>
+          <a:prstGeom prst="line">
+            <a:avLst/>
+          </a:prstGeom>
+        </p:spPr>
+        <p:style>
+          <a:lnRef idx="3">
+            <a:schemeClr val="accent2"/>
+          </a:lnRef>
+          <a:fillRef idx="0">
+            <a:schemeClr val="accent2"/>
+          </a:fillRef>
+          <a:effectRef idx="2">
+            <a:schemeClr val="accent2"/>
+          </a:effectRef>
+          <a:fontRef idx="minor">
+            <a:schemeClr val="tx1"/>
+          </a:fontRef>
+        </p:style>
+      </p:cxnSp>
     </p:spTree>
     <p:extLst>
       <p:ext uri="{BB962C8B-B14F-4D97-AF65-F5344CB8AC3E}">
-        <p14:creationId xmlns:p14="http://schemas.microsoft.com/office/powerpoint/2010/main" val="3744266602"/>
+        <p14:creationId xmlns:p14="http://schemas.microsoft.com/office/powerpoint/2010/main" val="1641556413"/>
       </p:ext>
     </p:extLst>
   </p:cSld>
